--- a/_18_JSF/powerpoint/JSF - 3 - ManagedBean.pptx
+++ b/_18_JSF/powerpoint/JSF - 3 - ManagedBean.pptx
@@ -20,10 +20,12 @@
     <p:sldId id="271" r:id="rId14"/>
     <p:sldId id="272" r:id="rId15"/>
     <p:sldId id="273" r:id="rId16"/>
-    <p:sldId id="274" r:id="rId17"/>
-    <p:sldId id="275" r:id="rId18"/>
-    <p:sldId id="276" r:id="rId19"/>
-    <p:sldId id="278" r:id="rId20"/>
+    <p:sldId id="279" r:id="rId17"/>
+    <p:sldId id="274" r:id="rId18"/>
+    <p:sldId id="280" r:id="rId19"/>
+    <p:sldId id="275" r:id="rId20"/>
+    <p:sldId id="276" r:id="rId21"/>
+    <p:sldId id="278" r:id="rId22"/>
   </p:sldIdLst>
   <p:sldSz cx="9144000" cy="6858000" type="screen4x3"/>
   <p:notesSz cx="6858000" cy="9144000"/>
@@ -427,7 +429,7 @@
               <a:pPr>
                 <a:defRPr/>
               </a:pPr>
-              <a:t>18/10/2022</a:t>
+              <a:t>31/10/2022</a:t>
             </a:fld>
             <a:endParaRPr lang="es-ES"/>
           </a:p>
@@ -617,7 +619,7 @@
               <a:pPr>
                 <a:defRPr/>
               </a:pPr>
-              <a:t>18/10/2022</a:t>
+              <a:t>31/10/2022</a:t>
             </a:fld>
             <a:endParaRPr lang="es-ES"/>
           </a:p>
@@ -817,7 +819,7 @@
               <a:pPr>
                 <a:defRPr/>
               </a:pPr>
-              <a:t>18/10/2022</a:t>
+              <a:t>31/10/2022</a:t>
             </a:fld>
             <a:endParaRPr lang="es-ES"/>
           </a:p>
@@ -3364,7 +3366,7 @@
               <a:pPr>
                 <a:defRPr/>
               </a:pPr>
-              <a:t>18/10/2022</a:t>
+              <a:t>31/10/2022</a:t>
             </a:fld>
             <a:endParaRPr lang="es-ES"/>
           </a:p>
@@ -4368,7 +4370,7 @@
               <a:pPr>
                 <a:defRPr/>
               </a:pPr>
-              <a:t>18/10/2022</a:t>
+              <a:t>31/10/2022</a:t>
             </a:fld>
             <a:endParaRPr lang="es-ES"/>
           </a:p>
@@ -4675,7 +4677,7 @@
               <a:pPr>
                 <a:defRPr/>
               </a:pPr>
-              <a:t>18/10/2022</a:t>
+              <a:t>31/10/2022</a:t>
             </a:fld>
             <a:endParaRPr lang="es-ES"/>
           </a:p>
@@ -5116,7 +5118,7 @@
               <a:pPr>
                 <a:defRPr/>
               </a:pPr>
-              <a:t>18/10/2022</a:t>
+              <a:t>31/10/2022</a:t>
             </a:fld>
             <a:endParaRPr lang="es-ES"/>
           </a:p>
@@ -5255,7 +5257,7 @@
               <a:pPr>
                 <a:defRPr/>
               </a:pPr>
-              <a:t>18/10/2022</a:t>
+              <a:t>31/10/2022</a:t>
             </a:fld>
             <a:endParaRPr lang="es-ES"/>
           </a:p>
@@ -5372,7 +5374,7 @@
               <a:pPr>
                 <a:defRPr/>
               </a:pPr>
-              <a:t>18/10/2022</a:t>
+              <a:t>31/10/2022</a:t>
             </a:fld>
             <a:endParaRPr lang="es-ES"/>
           </a:p>
@@ -5669,7 +5671,7 @@
               <a:pPr>
                 <a:defRPr/>
               </a:pPr>
-              <a:t>18/10/2022</a:t>
+              <a:t>31/10/2022</a:t>
             </a:fld>
             <a:endParaRPr lang="es-ES"/>
           </a:p>
@@ -5946,7 +5948,7 @@
               <a:pPr>
                 <a:defRPr/>
               </a:pPr>
-              <a:t>18/10/2022</a:t>
+              <a:t>31/10/2022</a:t>
             </a:fld>
             <a:endParaRPr lang="es-ES"/>
           </a:p>
@@ -6202,7 +6204,7 @@
               <a:pPr>
                 <a:defRPr/>
               </a:pPr>
-              <a:t>18/10/2022</a:t>
+              <a:t>31/10/2022</a:t>
             </a:fld>
             <a:endParaRPr lang="es-ES"/>
           </a:p>
@@ -6990,7 +6992,7 @@
               <a:pPr>
                 <a:defRPr/>
               </a:pPr>
-              <a:t>18/10/2022</a:t>
+              <a:t>31/10/2022</a:t>
             </a:fld>
             <a:endParaRPr lang="es-ES"/>
           </a:p>
@@ -7713,21 +7715,41 @@
           <a:p>
             <a:pPr eaLnBrk="1" hangingPunct="1"/>
             <a:r>
-              <a:rPr lang="es-ES" b="1"/>
+              <a:rPr lang="es-ES" b="1" dirty="0"/>
               <a:t>View</a:t>
             </a:r>
           </a:p>
           <a:p>
             <a:pPr lvl="1" eaLnBrk="1" hangingPunct="1"/>
             <a:r>
-              <a:rPr lang="es-ES"/>
-              <a:t>Los bean duran desde que se muestra una página JSF al usuario hasta que el usuario navega hacia otra página. </a:t>
+              <a:rPr lang="es-ES" dirty="0"/>
+              <a:t>Los </a:t>
+            </a:r>
+            <a:r>
+              <a:rPr lang="es-ES" dirty="0" err="1"/>
+              <a:t>bean</a:t>
+            </a:r>
+            <a:r>
+              <a:rPr lang="es-ES" dirty="0"/>
+              <a:t> duran desde que se muestra una página JSF al usuario hasta que el usuario navega hacia otra página. </a:t>
             </a:r>
           </a:p>
           <a:p>
             <a:pPr lvl="1" eaLnBrk="1" hangingPunct="1"/>
             <a:r>
-              <a:rPr lang="es-ES"/>
+              <a:rPr lang="es-ES" dirty="0"/>
+              <a:t>Mas corto aún que la </a:t>
+            </a:r>
+            <a:r>
+              <a:rPr lang="es-ES" b="1" dirty="0" err="1"/>
+              <a:t>Request</a:t>
+            </a:r>
+            <a:endParaRPr lang="es-ES" b="1" dirty="0"/>
+          </a:p>
+          <a:p>
+            <a:pPr lvl="1" eaLnBrk="1" hangingPunct="1"/>
+            <a:r>
+              <a:rPr lang="es-ES" dirty="0"/>
               <a:t>Es muy útil para páginas que usan AJAX.</a:t>
             </a:r>
           </a:p>
@@ -7864,15 +7886,79 @@
           <a:p>
             <a:pPr eaLnBrk="1" hangingPunct="1"/>
             <a:r>
-              <a:rPr lang="es-ES" b="1"/>
+              <a:rPr lang="es-ES" b="1" dirty="0" err="1"/>
               <a:t>None</a:t>
             </a:r>
+            <a:endParaRPr lang="es-ES" b="1" dirty="0"/>
           </a:p>
           <a:p>
             <a:pPr lvl="1" eaLnBrk="1" hangingPunct="1"/>
             <a:r>
-              <a:rPr lang="es-ES"/>
-              <a:t>Los beans se instancian cuando son necesitados por otros beans, y se eliminan cuando esta necesidad desaparece.</a:t>
+              <a:rPr lang="es-ES" dirty="0"/>
+              <a:t>Los </a:t>
+            </a:r>
+            <a:r>
+              <a:rPr lang="es-ES" dirty="0" err="1"/>
+              <a:t>beans</a:t>
+            </a:r>
+            <a:r>
+              <a:rPr lang="es-ES" dirty="0"/>
+              <a:t> se instancian cuando son necesitados por otros </a:t>
+            </a:r>
+            <a:r>
+              <a:rPr lang="es-ES" dirty="0" err="1"/>
+              <a:t>beans</a:t>
+            </a:r>
+            <a:r>
+              <a:rPr lang="es-ES" dirty="0"/>
+              <a:t>, y se eliminan cuando esta necesidad desaparece.</a:t>
+            </a:r>
+          </a:p>
+          <a:p>
+            <a:pPr lvl="1" eaLnBrk="1" hangingPunct="1"/>
+            <a:r>
+              <a:rPr lang="es-ES" dirty="0"/>
+              <a:t>Estos </a:t>
+            </a:r>
+            <a:r>
+              <a:rPr lang="es-ES" dirty="0" err="1"/>
+              <a:t>beans</a:t>
+            </a:r>
+            <a:r>
+              <a:rPr lang="es-ES" dirty="0"/>
+              <a:t> se inyectan a otros </a:t>
+            </a:r>
+            <a:r>
+              <a:rPr lang="es-ES" dirty="0" err="1"/>
+              <a:t>Managed</a:t>
+            </a:r>
+            <a:r>
+              <a:rPr lang="es-ES" dirty="0"/>
+              <a:t> </a:t>
+            </a:r>
+            <a:r>
+              <a:rPr lang="es-ES" dirty="0" err="1"/>
+              <a:t>Bean</a:t>
+            </a:r>
+            <a:r>
+              <a:rPr lang="es-ES" dirty="0"/>
+              <a:t> que quieran usarlos, y su ciclo de vida estará ligado al ciclo de vida del </a:t>
+            </a:r>
+            <a:r>
+              <a:rPr lang="es-ES" dirty="0" err="1"/>
+              <a:t>Managred</a:t>
+            </a:r>
+            <a:r>
+              <a:rPr lang="es-ES" dirty="0"/>
+              <a:t> </a:t>
+            </a:r>
+            <a:r>
+              <a:rPr lang="es-ES" dirty="0" err="1"/>
+              <a:t>Bean</a:t>
+            </a:r>
+            <a:r>
+              <a:rPr lang="es-ES" dirty="0"/>
+              <a:t> asociado.</a:t>
             </a:r>
           </a:p>
         </p:txBody>
@@ -8008,52 +8094,116 @@
           <a:p>
             <a:pPr eaLnBrk="1" hangingPunct="1"/>
             <a:r>
-              <a:rPr lang="es-ES"/>
+              <a:rPr lang="es-ES" dirty="0"/>
               <a:t>Los </a:t>
             </a:r>
             <a:r>
-              <a:rPr lang="es-ES" b="1"/>
-              <a:t>Managed Beans</a:t>
-            </a:r>
-            <a:r>
-              <a:rPr lang="es-ES"/>
-              <a:t> pueden tener propiedades manejadas, es decir, propiedades, que gestiona el contexto.</a:t>
+              <a:rPr lang="es-ES" b="1" dirty="0" err="1"/>
+              <a:t>Managed</a:t>
+            </a:r>
+            <a:r>
+              <a:rPr lang="es-ES" b="1" dirty="0"/>
+              <a:t> </a:t>
+            </a:r>
+            <a:r>
+              <a:rPr lang="es-ES" b="1" dirty="0" err="1"/>
+              <a:t>Beans</a:t>
+            </a:r>
+            <a:r>
+              <a:rPr lang="es-ES" dirty="0"/>
+              <a:t> pueden tener propiedades manejadas, es decir, propiedades, que gestiona el contexto. Conceptualmente este concepto es el de </a:t>
+            </a:r>
+            <a:r>
+              <a:rPr lang="es-ES" b="1" dirty="0"/>
+              <a:t>inyección de dependencias</a:t>
+            </a:r>
+            <a:r>
+              <a:rPr lang="es-ES" dirty="0"/>
+              <a:t>. La finalidad es poder utilizar otros </a:t>
+            </a:r>
+            <a:r>
+              <a:rPr lang="es-ES" dirty="0" err="1"/>
+              <a:t>Managed</a:t>
+            </a:r>
+            <a:r>
+              <a:rPr lang="es-ES" dirty="0"/>
+              <a:t> </a:t>
+            </a:r>
+            <a:r>
+              <a:rPr lang="es-ES" dirty="0" err="1"/>
+              <a:t>Bean</a:t>
+            </a:r>
+            <a:r>
+              <a:rPr lang="es-ES" dirty="0"/>
+              <a:t>, dentro de un </a:t>
+            </a:r>
+            <a:r>
+              <a:rPr lang="es-ES" dirty="0" err="1"/>
+              <a:t>Managed</a:t>
+            </a:r>
+            <a:r>
+              <a:rPr lang="es-ES" dirty="0"/>
+              <a:t> </a:t>
+            </a:r>
+            <a:r>
+              <a:rPr lang="es-ES" dirty="0" err="1"/>
+              <a:t>Bean</a:t>
+            </a:r>
+            <a:r>
+              <a:rPr lang="es-ES" dirty="0"/>
+              <a:t>.</a:t>
             </a:r>
           </a:p>
           <a:p>
             <a:pPr eaLnBrk="1" hangingPunct="1"/>
             <a:r>
-              <a:rPr lang="es-ES"/>
+              <a:rPr lang="es-ES" dirty="0"/>
               <a:t>Como para la declaración de los </a:t>
             </a:r>
             <a:r>
-              <a:rPr lang="es-ES" b="1"/>
-              <a:t>Managed Bean</a:t>
-            </a:r>
-            <a:r>
-              <a:rPr lang="es-ES"/>
+              <a:rPr lang="es-ES" b="1" dirty="0" err="1"/>
+              <a:t>Managed</a:t>
+            </a:r>
+            <a:r>
+              <a:rPr lang="es-ES" b="1" dirty="0"/>
+              <a:t> </a:t>
+            </a:r>
+            <a:r>
+              <a:rPr lang="es-ES" b="1" dirty="0" err="1"/>
+              <a:t>Bean</a:t>
+            </a:r>
+            <a:r>
+              <a:rPr lang="es-ES" dirty="0"/>
               <a:t>, para declaración de </a:t>
             </a:r>
             <a:r>
-              <a:rPr lang="es-ES" b="1"/>
-              <a:t>Managed Property</a:t>
-            </a:r>
-            <a:r>
-              <a:rPr lang="es-ES"/>
+              <a:rPr lang="es-ES" b="1" dirty="0" err="1"/>
+              <a:t>Managed</a:t>
+            </a:r>
+            <a:r>
+              <a:rPr lang="es-ES" b="1" dirty="0"/>
+              <a:t> </a:t>
+            </a:r>
+            <a:r>
+              <a:rPr lang="es-ES" b="1" dirty="0" err="1"/>
+              <a:t>Property</a:t>
+            </a:r>
+            <a:r>
+              <a:rPr lang="es-ES" dirty="0"/>
               <a:t>, se pueden emplear</a:t>
             </a:r>
           </a:p>
           <a:p>
             <a:pPr lvl="1" eaLnBrk="1" hangingPunct="1"/>
             <a:r>
-              <a:rPr lang="es-ES" b="1"/>
+              <a:rPr lang="es-ES" b="1" dirty="0"/>
               <a:t>Anotaciones</a:t>
             </a:r>
           </a:p>
           <a:p>
             <a:pPr lvl="1" eaLnBrk="1" hangingPunct="1"/>
             <a:r>
-              <a:rPr lang="es-ES" b="1"/>
+              <a:rPr lang="es-ES" b="1" dirty="0"/>
               <a:t>faces-config.xml</a:t>
             </a:r>
           </a:p>
@@ -8190,11 +8340,11 @@
           <a:p>
             <a:pPr eaLnBrk="1" hangingPunct="1"/>
             <a:r>
-              <a:rPr lang="es-ES"/>
-              <a:t>Para las anotaciones, se emplea @</a:t>
-            </a:r>
-            <a:r>
-              <a:rPr lang="es-ES" b="1"/>
+              <a:rPr lang="es-ES" dirty="0"/>
+              <a:t>Para inyectar valores u objetos mediante anotaciones, se emplea @</a:t>
+            </a:r>
+            <a:r>
+              <a:rPr lang="es-ES" b="1" dirty="0"/>
               <a:t>ManagedProperty</a:t>
             </a:r>
           </a:p>
@@ -8271,8 +8421,8 @@
         </p:nvSpPr>
         <p:spPr bwMode="auto">
           <a:xfrm>
-            <a:off x="1281113" y="2671763"/>
-            <a:ext cx="6734175" cy="1363662"/>
+            <a:off x="1115616" y="3043428"/>
+            <a:ext cx="6734175" cy="2219352"/>
           </a:xfrm>
           <a:prstGeom prst="rect">
             <a:avLst/>
@@ -8297,7 +8447,7 @@
           <a:p>
             <a:pPr defTabSz="409575" hangingPunct="0"/>
             <a:r>
-              <a:rPr lang="en-US" sz="1400">
+              <a:rPr lang="en-US" sz="2000" dirty="0">
                 <a:solidFill>
                   <a:srgbClr val="000000"/>
                 </a:solidFill>
@@ -8310,7 +8460,7 @@
           <a:p>
             <a:pPr defTabSz="409575" hangingPunct="0"/>
             <a:r>
-              <a:rPr lang="en-US" sz="1400">
+              <a:rPr lang="en-US" sz="2000" dirty="0">
                 <a:solidFill>
                   <a:srgbClr val="000000"/>
                 </a:solidFill>
@@ -8323,20 +8473,40 @@
           <a:p>
             <a:pPr defTabSz="409575" hangingPunct="0"/>
             <a:r>
-              <a:rPr lang="en-US" sz="1400">
+              <a:rPr lang="en-US" sz="2000" dirty="0">
                 <a:solidFill>
                   <a:srgbClr val="000000"/>
                 </a:solidFill>
                 <a:latin typeface="Helvetica Light"/>
                 <a:sym typeface="Helvetica Light"/>
               </a:rPr>
-              <a:t>public class UserBean {</a:t>
+              <a:t>public class </a:t>
+            </a:r>
+            <a:r>
+              <a:rPr lang="en-US" sz="2000" dirty="0" err="1">
+                <a:solidFill>
+                  <a:srgbClr val="000000"/>
+                </a:solidFill>
+                <a:latin typeface="Helvetica Light"/>
+                <a:sym typeface="Helvetica Light"/>
+              </a:rPr>
+              <a:t>UserBean</a:t>
+            </a:r>
+            <a:r>
+              <a:rPr lang="en-US" sz="2000" dirty="0">
+                <a:solidFill>
+                  <a:srgbClr val="000000"/>
+                </a:solidFill>
+                <a:latin typeface="Helvetica Light"/>
+                <a:sym typeface="Helvetica Light"/>
+              </a:rPr>
+              <a:t> {</a:t>
             </a:r>
           </a:p>
           <a:p>
             <a:pPr defTabSz="409575" hangingPunct="0"/>
             <a:r>
-              <a:rPr lang="en-US" sz="1400">
+              <a:rPr lang="en-US" sz="2000" dirty="0">
                 <a:solidFill>
                   <a:srgbClr val="000000"/>
                 </a:solidFill>
@@ -8349,7 +8519,7 @@
           <a:p>
             <a:pPr defTabSz="409575" hangingPunct="0"/>
             <a:r>
-              <a:rPr lang="en-US" sz="1400">
+              <a:rPr lang="en-US" sz="2000" dirty="0">
                 <a:solidFill>
                   <a:srgbClr val="000000"/>
                 </a:solidFill>
@@ -8362,7 +8532,20 @@
           <a:p>
             <a:pPr defTabSz="409575" hangingPunct="0"/>
             <a:r>
-              <a:rPr lang="en-US" sz="1400">
+              <a:rPr lang="en-US" sz="2000" dirty="0">
+                <a:solidFill>
+                  <a:srgbClr val="000000"/>
+                </a:solidFill>
+                <a:latin typeface="Helvetica Light"/>
+                <a:sym typeface="Helvetica Light"/>
+              </a:rPr>
+              <a:t>      //private String name = “Ana”</a:t>
+            </a:r>
+          </a:p>
+          <a:p>
+            <a:pPr defTabSz="409575" hangingPunct="0"/>
+            <a:r>
+              <a:rPr lang="en-US" sz="2000" dirty="0">
                 <a:solidFill>
                   <a:srgbClr val="000000"/>
                 </a:solidFill>
@@ -8444,33 +8627,41 @@
           <a:p>
             <a:pPr eaLnBrk="1" hangingPunct="1"/>
             <a:r>
-              <a:rPr lang="es-ES"/>
+              <a:rPr lang="es-ES" dirty="0"/>
               <a:t>En el </a:t>
             </a:r>
             <a:r>
-              <a:rPr lang="es-ES" b="1"/>
+              <a:rPr lang="es-ES" b="1" dirty="0" err="1"/>
               <a:t>value</a:t>
             </a:r>
             <a:r>
-              <a:rPr lang="es-ES"/>
+              <a:rPr lang="es-ES" dirty="0"/>
               <a:t> se pueden emplear expresiones EL, para hacer referencia otros </a:t>
             </a:r>
             <a:r>
-              <a:rPr lang="es-ES" b="1"/>
-              <a:t>Managed Bean</a:t>
-            </a:r>
-            <a:r>
-              <a:rPr lang="es-ES"/>
+              <a:rPr lang="es-ES" b="1" dirty="0" err="1"/>
+              <a:t>Managed</a:t>
+            </a:r>
+            <a:r>
+              <a:rPr lang="es-ES" b="1" dirty="0"/>
+              <a:t> </a:t>
+            </a:r>
+            <a:r>
+              <a:rPr lang="es-ES" b="1" dirty="0" err="1"/>
+              <a:t>Bean</a:t>
+            </a:r>
+            <a:r>
+              <a:rPr lang="es-ES" dirty="0"/>
               <a:t>.</a:t>
             </a:r>
           </a:p>
           <a:p>
             <a:pPr eaLnBrk="1" hangingPunct="1"/>
-            <a:endParaRPr lang="es-ES" b="1"/>
+            <a:endParaRPr lang="es-ES" b="1" dirty="0"/>
           </a:p>
           <a:p>
             <a:pPr eaLnBrk="1" hangingPunct="1"/>
-            <a:endParaRPr lang="es-ES" b="1"/>
+            <a:endParaRPr lang="es-ES" b="1" dirty="0"/>
           </a:p>
         </p:txBody>
       </p:sp>
@@ -8546,7 +8737,7 @@
         <p:spPr bwMode="auto">
           <a:xfrm>
             <a:off x="1281113" y="3179763"/>
-            <a:ext cx="6734175" cy="1363662"/>
+            <a:ext cx="6734175" cy="1911575"/>
           </a:xfrm>
           <a:prstGeom prst="rect">
             <a:avLst/>
@@ -8571,7 +8762,7 @@
           <a:p>
             <a:pPr defTabSz="409575" hangingPunct="0"/>
             <a:r>
-              <a:rPr lang="en-US" sz="1400">
+              <a:rPr lang="en-US" sz="2000" dirty="0">
                 <a:solidFill>
                   <a:srgbClr val="000000"/>
                 </a:solidFill>
@@ -8584,7 +8775,7 @@
           <a:p>
             <a:pPr defTabSz="409575" hangingPunct="0"/>
             <a:r>
-              <a:rPr lang="en-US" sz="1400">
+              <a:rPr lang="en-US" sz="2000" dirty="0">
                 <a:solidFill>
                   <a:srgbClr val="000000"/>
                 </a:solidFill>
@@ -8597,46 +8788,106 @@
           <a:p>
             <a:pPr defTabSz="409575" hangingPunct="0"/>
             <a:r>
-              <a:rPr lang="en-US" sz="1400">
+              <a:rPr lang="en-US" sz="2000" dirty="0">
                 <a:solidFill>
                   <a:srgbClr val="000000"/>
                 </a:solidFill>
                 <a:latin typeface="Helvetica Light"/>
                 <a:sym typeface="Helvetica Light"/>
               </a:rPr>
-              <a:t>public class UserBean {</a:t>
-            </a:r>
-          </a:p>
-          <a:p>
-            <a:pPr defTabSz="409575" hangingPunct="0"/>
-            <a:r>
-              <a:rPr lang="en-US" sz="1400">
+              <a:t>public class </a:t>
+            </a:r>
+            <a:r>
+              <a:rPr lang="en-US" sz="2000" dirty="0" err="1">
                 <a:solidFill>
                   <a:srgbClr val="000000"/>
                 </a:solidFill>
                 <a:latin typeface="Helvetica Light"/>
                 <a:sym typeface="Helvetica Light"/>
               </a:rPr>
-              <a:t>	@ManagedProperty(value=“#{amigo}")</a:t>
-            </a:r>
-          </a:p>
-          <a:p>
-            <a:pPr defTabSz="409575" hangingPunct="0"/>
-            <a:r>
-              <a:rPr lang="en-US" sz="1400">
+              <a:t>UserBean</a:t>
+            </a:r>
+            <a:r>
+              <a:rPr lang="en-US" sz="2000" dirty="0">
                 <a:solidFill>
                   <a:srgbClr val="000000"/>
                 </a:solidFill>
                 <a:latin typeface="Helvetica Light"/>
                 <a:sym typeface="Helvetica Light"/>
               </a:rPr>
-              <a:t>	private UserBean amigo;   </a:t>
+              <a:t> {</a:t>
             </a:r>
           </a:p>
           <a:p>
             <a:pPr defTabSz="409575" hangingPunct="0"/>
             <a:r>
-              <a:rPr lang="en-US" sz="1400">
+              <a:rPr lang="en-US" sz="2000" dirty="0">
+                <a:solidFill>
+                  <a:srgbClr val="000000"/>
+                </a:solidFill>
+                <a:latin typeface="Helvetica Light"/>
+                <a:sym typeface="Helvetica Light"/>
+              </a:rPr>
+              <a:t>	@ManagedProperty(value=“#{pedidoBean}")</a:t>
+            </a:r>
+          </a:p>
+          <a:p>
+            <a:pPr defTabSz="409575" hangingPunct="0"/>
+            <a:r>
+              <a:rPr lang="en-US" sz="2000" dirty="0">
+                <a:solidFill>
+                  <a:srgbClr val="000000"/>
+                </a:solidFill>
+                <a:latin typeface="Helvetica Light"/>
+                <a:sym typeface="Helvetica Light"/>
+              </a:rPr>
+              <a:t>	private  </a:t>
+            </a:r>
+            <a:r>
+              <a:rPr lang="en-US" sz="2000" dirty="0" err="1">
+                <a:solidFill>
+                  <a:srgbClr val="000000"/>
+                </a:solidFill>
+                <a:latin typeface="Helvetica Light"/>
+                <a:sym typeface="Helvetica Light"/>
+              </a:rPr>
+              <a:t>PedidoBean</a:t>
+            </a:r>
+            <a:r>
+              <a:rPr lang="en-US" sz="2000" dirty="0">
+                <a:solidFill>
+                  <a:srgbClr val="000000"/>
+                </a:solidFill>
+                <a:latin typeface="Helvetica Light"/>
+                <a:sym typeface="Helvetica Light"/>
+              </a:rPr>
+              <a:t> </a:t>
+            </a:r>
+            <a:r>
+              <a:rPr lang="en-US" sz="2000" dirty="0" err="1">
+                <a:solidFill>
+                  <a:srgbClr val="000000"/>
+                </a:solidFill>
+                <a:latin typeface="Helvetica Light"/>
+                <a:sym typeface="Helvetica Light"/>
+              </a:rPr>
+              <a:t>pedidoBean</a:t>
+            </a:r>
+            <a:r>
+              <a:rPr lang="en-US" sz="2000" dirty="0">
+                <a:solidFill>
+                  <a:srgbClr val="000000"/>
+                </a:solidFill>
+                <a:latin typeface="Helvetica Light"/>
+                <a:sym typeface="Helvetica Light"/>
+              </a:rPr>
+              <a:t>;   </a:t>
+            </a:r>
+          </a:p>
+          <a:p>
+            <a:pPr defTabSz="409575" hangingPunct="0"/>
+            <a:r>
+              <a:rPr lang="en-US" sz="2000" dirty="0">
                 <a:solidFill>
                   <a:srgbClr val="000000"/>
                 </a:solidFill>
@@ -8703,7 +8954,7 @@
       </p:sp>
       <p:sp>
         <p:nvSpPr>
-          <p:cNvPr id="39938" name="1 Marcador de contenido"/>
+          <p:cNvPr id="38914" name="1 Marcador de contenido"/>
           <p:cNvSpPr>
             <a:spLocks noGrp="1"/>
           </p:cNvSpPr>
@@ -8718,61 +8969,47 @@
           <a:p>
             <a:pPr eaLnBrk="1" hangingPunct="1"/>
             <a:r>
-              <a:rPr lang="es-ES"/>
-              <a:t>Los </a:t>
-            </a:r>
-            <a:r>
-              <a:rPr lang="es-ES" b="1"/>
+              <a:rPr lang="es-ES" dirty="0"/>
+              <a:t>En el </a:t>
+            </a:r>
+            <a:r>
+              <a:rPr lang="es-ES" b="1" dirty="0" err="1"/>
+              <a:t>value</a:t>
+            </a:r>
+            <a:r>
+              <a:rPr lang="es-ES" dirty="0"/>
+              <a:t> se pueden emplear expresiones EL para hacer referencias a valores de atributos de otros </a:t>
+            </a:r>
+            <a:r>
+              <a:rPr lang="es-ES" dirty="0" err="1"/>
+              <a:t>Managed</a:t>
+            </a:r>
+            <a:r>
+              <a:rPr lang="es-ES" dirty="0"/>
+              <a:t> </a:t>
+            </a:r>
+            <a:r>
+              <a:rPr lang="es-ES" dirty="0" err="1"/>
               <a:t>Bean</a:t>
             </a:r>
             <a:r>
-              <a:rPr lang="es-ES"/>
-              <a:t> a los que referencia deben de ser de un </a:t>
-            </a:r>
-            <a:r>
-              <a:rPr lang="es-ES" b="1"/>
-              <a:t>Ambito</a:t>
-            </a:r>
-            <a:r>
-              <a:rPr lang="es-ES"/>
-              <a:t> igual o mas longevo, desde </a:t>
-            </a:r>
-            <a:r>
-              <a:rPr lang="es-ES" b="1"/>
-              <a:t>Session</a:t>
-            </a:r>
-            <a:r>
-              <a:rPr lang="es-ES"/>
-              <a:t> no se puede referenciar a </a:t>
-            </a:r>
-            <a:r>
-              <a:rPr lang="es-ES" b="1"/>
-              <a:t>Request</a:t>
-            </a:r>
-            <a:r>
-              <a:rPr lang="es-ES"/>
+              <a:rPr lang="es-ES" dirty="0"/>
               <a:t>.</a:t>
             </a:r>
           </a:p>
           <a:p>
             <a:pPr eaLnBrk="1" hangingPunct="1"/>
-            <a:r>
-              <a:rPr lang="es-ES"/>
-              <a:t>Son muy útiles para la inyección de dependencias y evitar el código pegamento</a:t>
-            </a:r>
-          </a:p>
-          <a:p>
-            <a:pPr eaLnBrk="1" hangingPunct="1">
-              <a:buFont typeface="Arial" charset="0"/>
-              <a:buNone/>
-            </a:pPr>
-            <a:endParaRPr lang="es-ES"/>
-          </a:p>
-        </p:txBody>
-      </p:sp>
-      <p:sp>
-        <p:nvSpPr>
-          <p:cNvPr id="44035" name="2 Marcador de número de diapositiva"/>
+            <a:endParaRPr lang="es-ES" b="1" dirty="0"/>
+          </a:p>
+          <a:p>
+            <a:pPr eaLnBrk="1" hangingPunct="1"/>
+            <a:endParaRPr lang="es-ES" b="1" dirty="0"/>
+          </a:p>
+        </p:txBody>
+      </p:sp>
+      <p:sp>
+        <p:nvSpPr>
+          <p:cNvPr id="43011" name="2 Marcador de número de diapositiva"/>
           <p:cNvSpPr>
             <a:spLocks noGrp="1"/>
           </p:cNvSpPr>
@@ -8804,7 +9041,7 @@
               </a:spcAft>
               <a:defRPr/>
             </a:pPr>
-            <a:fld id="{8CB2D477-9102-4008-85EC-2A01C7C37B03}" type="slidenum">
+            <a:fld id="{81CEB7EB-3F6E-4683-8028-63C4D3645938}" type="slidenum">
               <a:rPr lang="en-US">
                 <a:solidFill>
                   <a:srgbClr val="898989"/>
@@ -8831,7 +9068,165 @@
           </a:p>
         </p:txBody>
       </p:sp>
+      <p:sp>
+        <p:nvSpPr>
+          <p:cNvPr id="38916" name="4 CuadroTexto"/>
+          <p:cNvSpPr txBox="1">
+            <a:spLocks noChangeArrowheads="1"/>
+          </p:cNvSpPr>
+          <p:nvPr/>
+        </p:nvSpPr>
+        <p:spPr bwMode="auto">
+          <a:xfrm>
+            <a:off x="1043609" y="3179763"/>
+            <a:ext cx="6971680" cy="1911575"/>
+          </a:xfrm>
+          <a:prstGeom prst="rect">
+            <a:avLst/>
+          </a:prstGeom>
+          <a:solidFill>
+            <a:schemeClr val="bg2"/>
+          </a:solidFill>
+          <a:ln w="9525">
+            <a:solidFill>
+              <a:schemeClr val="tx1"/>
+            </a:solidFill>
+            <a:miter lim="800000"/>
+            <a:headEnd/>
+            <a:tailEnd/>
+          </a:ln>
+        </p:spPr>
+        <p:txBody>
+          <a:bodyPr wrap="square" lIns="64288" tIns="32144" rIns="64288" bIns="32144">
+            <a:spAutoFit/>
+          </a:bodyPr>
+          <a:lstStyle/>
+          <a:p>
+            <a:pPr defTabSz="409575" hangingPunct="0"/>
+            <a:r>
+              <a:rPr lang="en-US" sz="2000" dirty="0">
+                <a:solidFill>
+                  <a:srgbClr val="000000"/>
+                </a:solidFill>
+                <a:latin typeface="Helvetica Light"/>
+                <a:sym typeface="Helvetica Light"/>
+              </a:rPr>
+              <a:t>@ManagedBean</a:t>
+            </a:r>
+          </a:p>
+          <a:p>
+            <a:pPr defTabSz="409575" hangingPunct="0"/>
+            <a:r>
+              <a:rPr lang="en-US" sz="2000" dirty="0">
+                <a:solidFill>
+                  <a:srgbClr val="000000"/>
+                </a:solidFill>
+                <a:latin typeface="Helvetica Light"/>
+                <a:sym typeface="Helvetica Light"/>
+              </a:rPr>
+              <a:t>@SessionScoped</a:t>
+            </a:r>
+          </a:p>
+          <a:p>
+            <a:pPr defTabSz="409575" hangingPunct="0"/>
+            <a:r>
+              <a:rPr lang="en-US" sz="2000" dirty="0">
+                <a:solidFill>
+                  <a:srgbClr val="000000"/>
+                </a:solidFill>
+                <a:latin typeface="Helvetica Light"/>
+                <a:sym typeface="Helvetica Light"/>
+              </a:rPr>
+              <a:t>public class </a:t>
+            </a:r>
+            <a:r>
+              <a:rPr lang="en-US" sz="2000" dirty="0" err="1">
+                <a:solidFill>
+                  <a:srgbClr val="000000"/>
+                </a:solidFill>
+                <a:latin typeface="Helvetica Light"/>
+                <a:sym typeface="Helvetica Light"/>
+              </a:rPr>
+              <a:t>UserBean</a:t>
+            </a:r>
+            <a:r>
+              <a:rPr lang="en-US" sz="2000" dirty="0">
+                <a:solidFill>
+                  <a:srgbClr val="000000"/>
+                </a:solidFill>
+                <a:latin typeface="Helvetica Light"/>
+                <a:sym typeface="Helvetica Light"/>
+              </a:rPr>
+              <a:t> {</a:t>
+            </a:r>
+          </a:p>
+          <a:p>
+            <a:pPr defTabSz="409575" hangingPunct="0"/>
+            <a:r>
+              <a:rPr lang="en-US" sz="2000" dirty="0">
+                <a:solidFill>
+                  <a:srgbClr val="000000"/>
+                </a:solidFill>
+                <a:latin typeface="Helvetica Light"/>
+                <a:sym typeface="Helvetica Light"/>
+              </a:rPr>
+              <a:t>	@ManagedProperty(value=“#{pedidoBean.codigoPedido}")</a:t>
+            </a:r>
+          </a:p>
+          <a:p>
+            <a:pPr defTabSz="409575" hangingPunct="0"/>
+            <a:r>
+              <a:rPr lang="en-US" sz="2000" dirty="0">
+                <a:solidFill>
+                  <a:srgbClr val="000000"/>
+                </a:solidFill>
+                <a:latin typeface="Helvetica Light"/>
+                <a:sym typeface="Helvetica Light"/>
+              </a:rPr>
+              <a:t>	private  String </a:t>
+            </a:r>
+            <a:r>
+              <a:rPr lang="en-US" sz="2000" dirty="0" err="1">
+                <a:solidFill>
+                  <a:srgbClr val="000000"/>
+                </a:solidFill>
+                <a:latin typeface="Helvetica Light"/>
+                <a:sym typeface="Helvetica Light"/>
+              </a:rPr>
+              <a:t>codigoPedido</a:t>
+            </a:r>
+            <a:r>
+              <a:rPr lang="en-US" sz="2000" dirty="0">
+                <a:solidFill>
+                  <a:srgbClr val="000000"/>
+                </a:solidFill>
+                <a:latin typeface="Helvetica Light"/>
+                <a:sym typeface="Helvetica Light"/>
+              </a:rPr>
+              <a:t>;   </a:t>
+            </a:r>
+          </a:p>
+          <a:p>
+            <a:pPr defTabSz="409575" hangingPunct="0"/>
+            <a:r>
+              <a:rPr lang="en-US" sz="2000" dirty="0">
+                <a:solidFill>
+                  <a:srgbClr val="000000"/>
+                </a:solidFill>
+                <a:latin typeface="Helvetica Light"/>
+                <a:sym typeface="Helvetica Light"/>
+              </a:rPr>
+              <a:t>}</a:t>
+            </a:r>
+          </a:p>
+        </p:txBody>
+      </p:sp>
     </p:spTree>
+    <p:extLst>
+      <p:ext uri="{BB962C8B-B14F-4D97-AF65-F5344CB8AC3E}">
+        <p14:creationId xmlns:p14="http://schemas.microsoft.com/office/powerpoint/2010/main" val="279779663"/>
+      </p:ext>
+    </p:extLst>
   </p:cSld>
   <p:clrMapOvr>
     <a:masterClrMapping/>
@@ -8886,7 +9281,7 @@
       </p:sp>
       <p:sp>
         <p:nvSpPr>
-          <p:cNvPr id="40962" name="1 Marcador de contenido"/>
+          <p:cNvPr id="39938" name="1 Marcador de contenido"/>
           <p:cNvSpPr>
             <a:spLocks noGrp="1"/>
           </p:cNvSpPr>
@@ -8901,16 +9296,114 @@
           <a:p>
             <a:pPr eaLnBrk="1" hangingPunct="1"/>
             <a:r>
-              <a:rPr lang="es-ES"/>
-              <a:t>De forma declarativa</a:t>
-            </a:r>
-            <a:endParaRPr lang="es-ES" b="1"/>
-          </a:p>
-        </p:txBody>
-      </p:sp>
-      <p:sp>
-        <p:nvSpPr>
-          <p:cNvPr id="45059" name="2 Marcador de número de diapositiva"/>
+              <a:rPr lang="es-ES" dirty="0"/>
+              <a:t>IMPORTANTE! Los </a:t>
+            </a:r>
+            <a:r>
+              <a:rPr lang="es-ES" b="1" dirty="0" err="1"/>
+              <a:t>Managed</a:t>
+            </a:r>
+            <a:r>
+              <a:rPr lang="es-ES" dirty="0"/>
+              <a:t> </a:t>
+            </a:r>
+            <a:r>
+              <a:rPr lang="es-ES" b="1" dirty="0" err="1"/>
+              <a:t>Beans</a:t>
+            </a:r>
+            <a:r>
+              <a:rPr lang="es-ES" dirty="0"/>
+              <a:t> a los que referenciamos deben de ser de un </a:t>
+            </a:r>
+            <a:r>
+              <a:rPr lang="es-ES" b="1" dirty="0" err="1"/>
+              <a:t>ambito</a:t>
+            </a:r>
+            <a:r>
+              <a:rPr lang="es-ES" dirty="0"/>
+              <a:t> igual o más longevo que el </a:t>
+            </a:r>
+            <a:r>
+              <a:rPr lang="es-ES" dirty="0" err="1"/>
+              <a:t>Managed</a:t>
+            </a:r>
+            <a:r>
+              <a:rPr lang="es-ES" dirty="0"/>
+              <a:t> </a:t>
+            </a:r>
+            <a:r>
+              <a:rPr lang="es-ES" dirty="0" err="1"/>
+              <a:t>Bean</a:t>
+            </a:r>
+            <a:r>
+              <a:rPr lang="es-ES" dirty="0"/>
+              <a:t> donde está la propiedad </a:t>
+            </a:r>
+            <a:r>
+              <a:rPr lang="es-ES" dirty="0" err="1"/>
+              <a:t>manejada.Por</a:t>
+            </a:r>
+            <a:r>
+              <a:rPr lang="es-ES" dirty="0"/>
+              <a:t> ejemplo, desde </a:t>
+            </a:r>
+            <a:r>
+              <a:rPr lang="es-ES" b="1" dirty="0" err="1"/>
+              <a:t>Session</a:t>
+            </a:r>
+            <a:r>
+              <a:rPr lang="es-ES" dirty="0"/>
+              <a:t> no se puede referenciar a </a:t>
+            </a:r>
+            <a:r>
+              <a:rPr lang="es-ES" b="1" dirty="0" err="1"/>
+              <a:t>Request</a:t>
+            </a:r>
+            <a:r>
+              <a:rPr lang="es-ES" b="1" dirty="0"/>
+              <a:t>, </a:t>
+            </a:r>
+            <a:r>
+              <a:rPr lang="es-ES" dirty="0"/>
+              <a:t>pero desde </a:t>
+            </a:r>
+            <a:r>
+              <a:rPr lang="es-ES" b="1" dirty="0" err="1"/>
+              <a:t>Request</a:t>
+            </a:r>
+            <a:r>
+              <a:rPr lang="es-ES" b="1" dirty="0"/>
+              <a:t> </a:t>
+            </a:r>
+            <a:r>
+              <a:rPr lang="es-ES" dirty="0"/>
+              <a:t>si podemos referencias a </a:t>
+            </a:r>
+            <a:r>
+              <a:rPr lang="es-ES" b="1" dirty="0" err="1"/>
+              <a:t>Session</a:t>
+            </a:r>
+            <a:endParaRPr lang="es-ES" dirty="0"/>
+          </a:p>
+          <a:p>
+            <a:pPr eaLnBrk="1" hangingPunct="1"/>
+            <a:r>
+              <a:rPr lang="es-ES" dirty="0"/>
+              <a:t>Son muy útiles para la inyección de dependencias y evitar el código pegamento</a:t>
+            </a:r>
+          </a:p>
+          <a:p>
+            <a:pPr eaLnBrk="1" hangingPunct="1">
+              <a:buFont typeface="Arial" charset="0"/>
+              <a:buNone/>
+            </a:pPr>
+            <a:endParaRPr lang="es-ES" dirty="0"/>
+          </a:p>
+        </p:txBody>
+      </p:sp>
+      <p:sp>
+        <p:nvSpPr>
+          <p:cNvPr id="44035" name="2 Marcador de número de diapositiva"/>
           <p:cNvSpPr>
             <a:spLocks noGrp="1"/>
           </p:cNvSpPr>
@@ -8942,7 +9435,7 @@
               </a:spcAft>
               <a:defRPr/>
             </a:pPr>
-            <a:fld id="{FB4AA2C8-68C7-4588-ABBE-0A5ADC4A2F3E}" type="slidenum">
+            <a:fld id="{8CB2D477-9102-4008-85EC-2A01C7C37B03}" type="slidenum">
               <a:rPr lang="en-US">
                 <a:solidFill>
                   <a:srgbClr val="898989"/>
@@ -8966,158 +9459,6 @@
               </a:solidFill>
               <a:cs typeface="Arial" charset="0"/>
             </a:endParaRPr>
-          </a:p>
-        </p:txBody>
-      </p:sp>
-      <p:sp>
-        <p:nvSpPr>
-          <p:cNvPr id="40964" name="4 CuadroTexto"/>
-          <p:cNvSpPr txBox="1">
-            <a:spLocks noChangeArrowheads="1"/>
-          </p:cNvSpPr>
-          <p:nvPr/>
-        </p:nvSpPr>
-        <p:spPr bwMode="auto">
-          <a:xfrm>
-            <a:off x="1281113" y="2263775"/>
-            <a:ext cx="6734175" cy="2012950"/>
-          </a:xfrm>
-          <a:prstGeom prst="rect">
-            <a:avLst/>
-          </a:prstGeom>
-          <a:solidFill>
-            <a:schemeClr val="bg2"/>
-          </a:solidFill>
-          <a:ln w="9525">
-            <a:solidFill>
-              <a:schemeClr val="tx1"/>
-            </a:solidFill>
-            <a:miter lim="800000"/>
-            <a:headEnd/>
-            <a:tailEnd/>
-          </a:ln>
-        </p:spPr>
-        <p:txBody>
-          <a:bodyPr lIns="64288" tIns="32144" rIns="64288" bIns="32144">
-            <a:spAutoFit/>
-          </a:bodyPr>
-          <a:lstStyle/>
-          <a:p>
-            <a:pPr defTabSz="409575" hangingPunct="0"/>
-            <a:r>
-              <a:rPr lang="en-US" sz="1400">
-                <a:solidFill>
-                  <a:srgbClr val="000000"/>
-                </a:solidFill>
-                <a:latin typeface="Helvetica Light"/>
-                <a:sym typeface="Helvetica Light"/>
-              </a:rPr>
-              <a:t>&lt;managed-bean&gt;</a:t>
-            </a:r>
-          </a:p>
-          <a:p>
-            <a:pPr defTabSz="409575" hangingPunct="0"/>
-            <a:r>
-              <a:rPr lang="en-US" sz="1400">
-                <a:solidFill>
-                  <a:srgbClr val="000000"/>
-                </a:solidFill>
-                <a:latin typeface="Helvetica Light"/>
-                <a:sym typeface="Helvetica Light"/>
-              </a:rPr>
-              <a:t>	&lt;managed-bean-name&gt;userBean&lt;/managed-bean-name&gt;</a:t>
-            </a:r>
-          </a:p>
-          <a:p>
-            <a:pPr defTabSz="409575" hangingPunct="0"/>
-            <a:r>
-              <a:rPr lang="en-US" sz="1400">
-                <a:solidFill>
-                  <a:srgbClr val="000000"/>
-                </a:solidFill>
-                <a:latin typeface="Helvetica Light"/>
-                <a:sym typeface="Helvetica Light"/>
-              </a:rPr>
-              <a:t>	&lt;managed-bean-class&gt;com.examples.UserBean&lt;/managed-bean-class&gt;</a:t>
-            </a:r>
-          </a:p>
-          <a:p>
-            <a:pPr defTabSz="409575" hangingPunct="0"/>
-            <a:r>
-              <a:rPr lang="en-US" sz="1400">
-                <a:solidFill>
-                  <a:srgbClr val="000000"/>
-                </a:solidFill>
-                <a:latin typeface="Helvetica Light"/>
-                <a:sym typeface="Helvetica Light"/>
-              </a:rPr>
-              <a:t>	&lt;managed-bean-scope&gt;session&lt;/managed-bean-scope&gt;</a:t>
-            </a:r>
-          </a:p>
-          <a:p>
-            <a:pPr defTabSz="409575" hangingPunct="0"/>
-            <a:r>
-              <a:rPr lang="en-US" sz="1400">
-                <a:solidFill>
-                  <a:srgbClr val="000000"/>
-                </a:solidFill>
-                <a:latin typeface="Helvetica Light"/>
-                <a:sym typeface="Helvetica Light"/>
-              </a:rPr>
-              <a:t>	&lt;managed-property&gt;</a:t>
-            </a:r>
-          </a:p>
-          <a:p>
-            <a:pPr defTabSz="409575" hangingPunct="0"/>
-            <a:r>
-              <a:rPr lang="en-US" sz="1400">
-                <a:solidFill>
-                  <a:srgbClr val="000000"/>
-                </a:solidFill>
-                <a:latin typeface="Helvetica Light"/>
-                <a:sym typeface="Helvetica Light"/>
-              </a:rPr>
-              <a:t>		&lt;property-name&gt;name&lt;/property-name&gt;</a:t>
-            </a:r>
-          </a:p>
-          <a:p>
-            <a:pPr defTabSz="409575" hangingPunct="0"/>
-            <a:r>
-              <a:rPr lang="en-US" sz="1400">
-                <a:solidFill>
-                  <a:srgbClr val="000000"/>
-                </a:solidFill>
-                <a:latin typeface="Helvetica Light"/>
-                <a:sym typeface="Helvetica Light"/>
-              </a:rPr>
-              <a:t>		&lt;value&gt;Ana&lt;/value&gt;</a:t>
-            </a:r>
-          </a:p>
-          <a:p>
-            <a:pPr defTabSz="409575" hangingPunct="0"/>
-            <a:r>
-              <a:rPr lang="en-US" sz="1400">
-                <a:solidFill>
-                  <a:srgbClr val="000000"/>
-                </a:solidFill>
-                <a:latin typeface="Helvetica Light"/>
-                <a:sym typeface="Helvetica Light"/>
-              </a:rPr>
-              <a:t>	&lt;/managed-property&gt;</a:t>
-            </a:r>
-          </a:p>
-          <a:p>
-            <a:pPr defTabSz="409575" hangingPunct="0"/>
-            <a:r>
-              <a:rPr lang="en-US" sz="1400">
-                <a:solidFill>
-                  <a:srgbClr val="000000"/>
-                </a:solidFill>
-                <a:latin typeface="Helvetica Light"/>
-                <a:sym typeface="Helvetica Light"/>
-              </a:rPr>
-              <a:t>&lt;/managed-bean&gt;</a:t>
-            </a:r>
           </a:p>
         </p:txBody>
       </p:sp>
@@ -9176,7 +9517,7 @@
       </p:sp>
       <p:sp>
         <p:nvSpPr>
-          <p:cNvPr id="41986" name="1 Marcador de contenido"/>
+          <p:cNvPr id="39938" name="1 Marcador de contenido"/>
           <p:cNvSpPr>
             <a:spLocks noGrp="1"/>
           </p:cNvSpPr>
@@ -9191,24 +9532,100 @@
           <a:p>
             <a:pPr eaLnBrk="1" hangingPunct="1"/>
             <a:r>
-              <a:rPr lang="es-ES"/>
-              <a:t>De forma declarativa con referencia otro </a:t>
-            </a:r>
-            <a:r>
-              <a:rPr lang="es-ES" b="1"/>
-              <a:t>Managed Bean</a:t>
-            </a:r>
-            <a:r>
-              <a:rPr lang="es-ES"/>
+              <a:rPr lang="es-ES" dirty="0" err="1"/>
+              <a:t>Scopes</a:t>
+            </a:r>
+            <a:r>
+              <a:rPr lang="es-ES" dirty="0"/>
+              <a:t> de </a:t>
+            </a:r>
+            <a:r>
+              <a:rPr lang="es-ES" dirty="0" err="1"/>
+              <a:t>Managed</a:t>
+            </a:r>
+            <a:r>
+              <a:rPr lang="es-ES" dirty="0"/>
+              <a:t> </a:t>
+            </a:r>
+            <a:r>
+              <a:rPr lang="es-ES" dirty="0" err="1"/>
+              <a:t>Bean</a:t>
+            </a:r>
+            <a:r>
+              <a:rPr lang="es-ES" dirty="0"/>
+              <a:t> de menor ciclo de vida a mayor ciclo de vida (a tener en cuanto cuando queramos hacer inyección de dependencias entre </a:t>
+            </a:r>
+            <a:r>
+              <a:rPr lang="es-ES" dirty="0" err="1"/>
+              <a:t>ManagedBean</a:t>
+            </a:r>
+            <a:r>
+              <a:rPr lang="es-ES" dirty="0"/>
+              <a:t>).</a:t>
+            </a:r>
+          </a:p>
+          <a:p>
+            <a:pPr lvl="1" eaLnBrk="1" hangingPunct="1"/>
+            <a:r>
+              <a:rPr lang="es-ES" b="1" dirty="0" err="1"/>
+              <a:t>none</a:t>
+            </a:r>
+            <a:r>
+              <a:rPr lang="es-ES" dirty="0"/>
               <a:t>.</a:t>
             </a:r>
-            <a:endParaRPr lang="es-ES" b="1"/>
-          </a:p>
-        </p:txBody>
-      </p:sp>
-      <p:sp>
-        <p:nvSpPr>
-          <p:cNvPr id="46083" name="2 Marcador de número de diapositiva"/>
+            <a:endParaRPr lang="es-ES" b="1" dirty="0"/>
+          </a:p>
+          <a:p>
+            <a:pPr lvl="1" eaLnBrk="1" hangingPunct="1"/>
+            <a:r>
+              <a:rPr lang="es-ES" b="1" dirty="0" err="1"/>
+              <a:t>view</a:t>
+            </a:r>
+            <a:r>
+              <a:rPr lang="es-ES" dirty="0"/>
+              <a:t>.</a:t>
+            </a:r>
+          </a:p>
+          <a:p>
+            <a:pPr lvl="1" eaLnBrk="1" hangingPunct="1"/>
+            <a:r>
+              <a:rPr lang="es-ES" b="1" dirty="0" err="1"/>
+              <a:t>Request</a:t>
+            </a:r>
+            <a:endParaRPr lang="es-ES" b="1" dirty="0"/>
+          </a:p>
+          <a:p>
+            <a:pPr lvl="1" eaLnBrk="1" hangingPunct="1"/>
+            <a:r>
+              <a:rPr lang="es-ES" b="1" dirty="0" err="1"/>
+              <a:t>Session</a:t>
+            </a:r>
+            <a:endParaRPr lang="es-ES" b="1" dirty="0"/>
+          </a:p>
+          <a:p>
+            <a:pPr lvl="1" eaLnBrk="1" hangingPunct="1"/>
+            <a:r>
+              <a:rPr lang="es-ES" b="1" dirty="0" err="1"/>
+              <a:t>application</a:t>
+            </a:r>
+            <a:r>
+              <a:rPr lang="es-ES" dirty="0"/>
+              <a:t>. </a:t>
+            </a:r>
+          </a:p>
+          <a:p>
+            <a:pPr eaLnBrk="1" hangingPunct="1">
+              <a:buFont typeface="Arial" charset="0"/>
+              <a:buNone/>
+            </a:pPr>
+            <a:endParaRPr lang="es-ES" dirty="0"/>
+          </a:p>
+        </p:txBody>
+      </p:sp>
+      <p:sp>
+        <p:nvSpPr>
+          <p:cNvPr id="44035" name="2 Marcador de número de diapositiva"/>
           <p:cNvSpPr>
             <a:spLocks noGrp="1"/>
           </p:cNvSpPr>
@@ -9240,7 +9657,7 @@
               </a:spcAft>
               <a:defRPr/>
             </a:pPr>
-            <a:fld id="{E82853BB-3408-496D-AD35-71DA7C265A6C}" type="slidenum">
+            <a:fld id="{8CB2D477-9102-4008-85EC-2A01C7C37B03}" type="slidenum">
               <a:rPr lang="en-US">
                 <a:solidFill>
                   <a:srgbClr val="898989"/>
@@ -9267,159 +9684,12 @@
           </a:p>
         </p:txBody>
       </p:sp>
-      <p:sp>
-        <p:nvSpPr>
-          <p:cNvPr id="41988" name="4 CuadroTexto"/>
-          <p:cNvSpPr txBox="1">
-            <a:spLocks noChangeArrowheads="1"/>
-          </p:cNvSpPr>
-          <p:nvPr/>
-        </p:nvSpPr>
-        <p:spPr bwMode="auto">
-          <a:xfrm>
-            <a:off x="1281113" y="2732088"/>
-            <a:ext cx="6734175" cy="2012950"/>
-          </a:xfrm>
-          <a:prstGeom prst="rect">
-            <a:avLst/>
-          </a:prstGeom>
-          <a:solidFill>
-            <a:schemeClr val="bg2"/>
-          </a:solidFill>
-          <a:ln w="9525">
-            <a:solidFill>
-              <a:schemeClr val="tx1"/>
-            </a:solidFill>
-            <a:miter lim="800000"/>
-            <a:headEnd/>
-            <a:tailEnd/>
-          </a:ln>
-        </p:spPr>
-        <p:txBody>
-          <a:bodyPr lIns="64288" tIns="32144" rIns="64288" bIns="32144">
-            <a:spAutoFit/>
-          </a:bodyPr>
-          <a:lstStyle/>
-          <a:p>
-            <a:pPr defTabSz="409575" hangingPunct="0"/>
-            <a:r>
-              <a:rPr lang="en-US" sz="1400">
-                <a:solidFill>
-                  <a:srgbClr val="000000"/>
-                </a:solidFill>
-                <a:latin typeface="Helvetica Light"/>
-                <a:sym typeface="Helvetica Light"/>
-              </a:rPr>
-              <a:t>&lt;managed-bean&gt;</a:t>
-            </a:r>
-          </a:p>
-          <a:p>
-            <a:pPr defTabSz="409575" hangingPunct="0"/>
-            <a:r>
-              <a:rPr lang="en-US" sz="1400">
-                <a:solidFill>
-                  <a:srgbClr val="000000"/>
-                </a:solidFill>
-                <a:latin typeface="Helvetica Light"/>
-                <a:sym typeface="Helvetica Light"/>
-              </a:rPr>
-              <a:t>	&lt;managed-bean-name&gt;userBean&lt;/managed-bean-name&gt;</a:t>
-            </a:r>
-          </a:p>
-          <a:p>
-            <a:pPr defTabSz="409575" hangingPunct="0"/>
-            <a:r>
-              <a:rPr lang="en-US" sz="1400">
-                <a:solidFill>
-                  <a:srgbClr val="000000"/>
-                </a:solidFill>
-                <a:latin typeface="Helvetica Light"/>
-                <a:sym typeface="Helvetica Light"/>
-              </a:rPr>
-              <a:t>	&lt;managed-bean-class&gt;com.examples.UserBean&lt;/managed-bean-class&gt;</a:t>
-            </a:r>
-          </a:p>
-          <a:p>
-            <a:pPr defTabSz="409575" hangingPunct="0"/>
-            <a:r>
-              <a:rPr lang="en-US" sz="1400">
-                <a:solidFill>
-                  <a:srgbClr val="000000"/>
-                </a:solidFill>
-                <a:latin typeface="Helvetica Light"/>
-                <a:sym typeface="Helvetica Light"/>
-              </a:rPr>
-              <a:t>	&lt;managed-bean-scope&gt;session&lt;/managed-bean-scope&gt;</a:t>
-            </a:r>
-          </a:p>
-          <a:p>
-            <a:pPr defTabSz="409575" hangingPunct="0"/>
-            <a:r>
-              <a:rPr lang="en-US" sz="1400">
-                <a:solidFill>
-                  <a:srgbClr val="000000"/>
-                </a:solidFill>
-                <a:latin typeface="Helvetica Light"/>
-                <a:sym typeface="Helvetica Light"/>
-              </a:rPr>
-              <a:t>	&lt;managed-property&gt;</a:t>
-            </a:r>
-          </a:p>
-          <a:p>
-            <a:pPr defTabSz="409575" hangingPunct="0"/>
-            <a:r>
-              <a:rPr lang="en-US" sz="1400">
-                <a:solidFill>
-                  <a:srgbClr val="000000"/>
-                </a:solidFill>
-                <a:latin typeface="Helvetica Light"/>
-                <a:sym typeface="Helvetica Light"/>
-              </a:rPr>
-              <a:t>		&lt;property-name&gt;amigo&lt;/property-name&gt;</a:t>
-            </a:r>
-          </a:p>
-          <a:p>
-            <a:pPr defTabSz="409575" hangingPunct="0"/>
-            <a:r>
-              <a:rPr lang="en-US" sz="1400">
-                <a:solidFill>
-                  <a:srgbClr val="000000"/>
-                </a:solidFill>
-                <a:latin typeface="Helvetica Light"/>
-                <a:sym typeface="Helvetica Light"/>
-              </a:rPr>
-              <a:t>		&lt;value&gt;#{amigo}&lt;/value&gt;</a:t>
-            </a:r>
-          </a:p>
-          <a:p>
-            <a:pPr defTabSz="409575" hangingPunct="0"/>
-            <a:r>
-              <a:rPr lang="en-US" sz="1400">
-                <a:solidFill>
-                  <a:srgbClr val="000000"/>
-                </a:solidFill>
-                <a:latin typeface="Helvetica Light"/>
-                <a:sym typeface="Helvetica Light"/>
-              </a:rPr>
-              <a:t>	&lt;/managed-property&gt;</a:t>
-            </a:r>
-          </a:p>
-          <a:p>
-            <a:pPr defTabSz="409575" hangingPunct="0"/>
-            <a:r>
-              <a:rPr lang="en-US" sz="1400">
-                <a:solidFill>
-                  <a:srgbClr val="000000"/>
-                </a:solidFill>
-                <a:latin typeface="Helvetica Light"/>
-                <a:sym typeface="Helvetica Light"/>
-              </a:rPr>
-              <a:t>&lt;/managed-bean&gt;</a:t>
-            </a:r>
-          </a:p>
-        </p:txBody>
-      </p:sp>
     </p:spTree>
+    <p:extLst>
+      <p:ext uri="{BB962C8B-B14F-4D97-AF65-F5344CB8AC3E}">
+        <p14:creationId xmlns:p14="http://schemas.microsoft.com/office/powerpoint/2010/main" val="1263214041"/>
+      </p:ext>
+    </p:extLst>
   </p:cSld>
   <p:clrMapOvr>
     <a:masterClrMapping/>
@@ -9467,14 +9737,14 @@
             </a:pPr>
             <a:r>
               <a:rPr lang="es-ES" dirty="0"/>
-              <a:t>CICLO DE VIDA DEL MANAGED BEAN</a:t>
-            </a:r>
-          </a:p>
-        </p:txBody>
-      </p:sp>
-      <p:sp>
-        <p:nvSpPr>
-          <p:cNvPr id="43010" name="1 Marcador de contenido"/>
+              <a:t>PROPIEDADES MANEJADAS</a:t>
+            </a:r>
+          </a:p>
+        </p:txBody>
+      </p:sp>
+      <p:sp>
+        <p:nvSpPr>
+          <p:cNvPr id="40962" name="1 Marcador de contenido"/>
           <p:cNvSpPr>
             <a:spLocks noGrp="1"/>
           </p:cNvSpPr>
@@ -9490,37 +9760,15 @@
             <a:pPr eaLnBrk="1" hangingPunct="1"/>
             <a:r>
               <a:rPr lang="es-ES"/>
-              <a:t>Cuando a un método le asocias la anotación @</a:t>
-            </a:r>
-            <a:r>
-              <a:rPr lang="es-ES" b="1"/>
-              <a:t>PostConstruct</a:t>
-            </a:r>
-            <a:r>
-              <a:rPr lang="es-ES"/>
-              <a:t> se ejecutará después de la inicialización del bean pero antes de que sea guardado en su scope correspondiente.</a:t>
-            </a:r>
-          </a:p>
-          <a:p>
-            <a:pPr eaLnBrk="1" hangingPunct="1"/>
-            <a:r>
-              <a:rPr lang="es-ES"/>
-              <a:t>Si al método le asocias la anotación @</a:t>
-            </a:r>
-            <a:r>
-              <a:rPr lang="es-ES" b="1"/>
-              <a:t>PreDestroy</a:t>
-            </a:r>
-            <a:r>
-              <a:rPr lang="es-ES"/>
-              <a:t> se ejecutará justo antes de que el bean sea eliminado del scope.</a:t>
-            </a:r>
-          </a:p>
-        </p:txBody>
-      </p:sp>
-      <p:sp>
-        <p:nvSpPr>
-          <p:cNvPr id="47107" name="2 Marcador de número de diapositiva"/>
+              <a:t>De forma declarativa</a:t>
+            </a:r>
+            <a:endParaRPr lang="es-ES" b="1"/>
+          </a:p>
+        </p:txBody>
+      </p:sp>
+      <p:sp>
+        <p:nvSpPr>
+          <p:cNvPr id="45059" name="2 Marcador de número de diapositiva"/>
           <p:cNvSpPr>
             <a:spLocks noGrp="1"/>
           </p:cNvSpPr>
@@ -9552,7 +9800,7 @@
               </a:spcAft>
               <a:defRPr/>
             </a:pPr>
-            <a:fld id="{B034D36E-3B57-4062-8A4A-5340FF868D06}" type="slidenum">
+            <a:fld id="{FB4AA2C8-68C7-4588-ABBE-0A5ADC4A2F3E}" type="slidenum">
               <a:rPr lang="en-US">
                 <a:solidFill>
                   <a:srgbClr val="898989"/>
@@ -9576,6 +9824,556 @@
               </a:solidFill>
               <a:cs typeface="Arial" charset="0"/>
             </a:endParaRPr>
+          </a:p>
+        </p:txBody>
+      </p:sp>
+      <p:sp>
+        <p:nvSpPr>
+          <p:cNvPr id="40964" name="4 CuadroTexto"/>
+          <p:cNvSpPr txBox="1">
+            <a:spLocks noChangeArrowheads="1"/>
+          </p:cNvSpPr>
+          <p:nvPr/>
+        </p:nvSpPr>
+        <p:spPr bwMode="auto">
+          <a:xfrm>
+            <a:off x="1281113" y="2263775"/>
+            <a:ext cx="6734175" cy="2012950"/>
+          </a:xfrm>
+          <a:prstGeom prst="rect">
+            <a:avLst/>
+          </a:prstGeom>
+          <a:solidFill>
+            <a:schemeClr val="bg2"/>
+          </a:solidFill>
+          <a:ln w="9525">
+            <a:solidFill>
+              <a:schemeClr val="tx1"/>
+            </a:solidFill>
+            <a:miter lim="800000"/>
+            <a:headEnd/>
+            <a:tailEnd/>
+          </a:ln>
+        </p:spPr>
+        <p:txBody>
+          <a:bodyPr lIns="64288" tIns="32144" rIns="64288" bIns="32144">
+            <a:spAutoFit/>
+          </a:bodyPr>
+          <a:lstStyle/>
+          <a:p>
+            <a:pPr defTabSz="409575" hangingPunct="0"/>
+            <a:r>
+              <a:rPr lang="en-US" sz="1400" dirty="0">
+                <a:solidFill>
+                  <a:srgbClr val="000000"/>
+                </a:solidFill>
+                <a:latin typeface="Helvetica Light"/>
+                <a:sym typeface="Helvetica Light"/>
+              </a:rPr>
+              <a:t>&lt;managed-bean&gt;</a:t>
+            </a:r>
+          </a:p>
+          <a:p>
+            <a:pPr defTabSz="409575" hangingPunct="0"/>
+            <a:r>
+              <a:rPr lang="en-US" sz="1400" dirty="0">
+                <a:solidFill>
+                  <a:srgbClr val="000000"/>
+                </a:solidFill>
+                <a:latin typeface="Helvetica Light"/>
+                <a:sym typeface="Helvetica Light"/>
+              </a:rPr>
+              <a:t>	&lt;managed-bean-name&gt;</a:t>
+            </a:r>
+            <a:r>
+              <a:rPr lang="en-US" sz="1400" dirty="0" err="1">
+                <a:solidFill>
+                  <a:srgbClr val="000000"/>
+                </a:solidFill>
+                <a:latin typeface="Helvetica Light"/>
+                <a:sym typeface="Helvetica Light"/>
+              </a:rPr>
+              <a:t>userBean</a:t>
+            </a:r>
+            <a:r>
+              <a:rPr lang="en-US" sz="1400" dirty="0">
+                <a:solidFill>
+                  <a:srgbClr val="000000"/>
+                </a:solidFill>
+                <a:latin typeface="Helvetica Light"/>
+                <a:sym typeface="Helvetica Light"/>
+              </a:rPr>
+              <a:t>&lt;/managed-bean-name&gt;</a:t>
+            </a:r>
+          </a:p>
+          <a:p>
+            <a:pPr defTabSz="409575" hangingPunct="0"/>
+            <a:r>
+              <a:rPr lang="en-US" sz="1400" dirty="0">
+                <a:solidFill>
+                  <a:srgbClr val="000000"/>
+                </a:solidFill>
+                <a:latin typeface="Helvetica Light"/>
+                <a:sym typeface="Helvetica Light"/>
+              </a:rPr>
+              <a:t>	&lt;managed-bean-class&gt;</a:t>
+            </a:r>
+            <a:r>
+              <a:rPr lang="en-US" sz="1400" dirty="0" err="1">
+                <a:solidFill>
+                  <a:srgbClr val="000000"/>
+                </a:solidFill>
+                <a:latin typeface="Helvetica Light"/>
+                <a:sym typeface="Helvetica Light"/>
+              </a:rPr>
+              <a:t>com.examples.UserBean</a:t>
+            </a:r>
+            <a:r>
+              <a:rPr lang="en-US" sz="1400" dirty="0">
+                <a:solidFill>
+                  <a:srgbClr val="000000"/>
+                </a:solidFill>
+                <a:latin typeface="Helvetica Light"/>
+                <a:sym typeface="Helvetica Light"/>
+              </a:rPr>
+              <a:t>&lt;/managed-bean-class&gt;</a:t>
+            </a:r>
+          </a:p>
+          <a:p>
+            <a:pPr defTabSz="409575" hangingPunct="0"/>
+            <a:r>
+              <a:rPr lang="en-US" sz="1400" dirty="0">
+                <a:solidFill>
+                  <a:srgbClr val="000000"/>
+                </a:solidFill>
+                <a:latin typeface="Helvetica Light"/>
+                <a:sym typeface="Helvetica Light"/>
+              </a:rPr>
+              <a:t>	&lt;managed-bean-scope&gt;session&lt;/managed-bean-scope&gt;</a:t>
+            </a:r>
+          </a:p>
+          <a:p>
+            <a:pPr defTabSz="409575" hangingPunct="0"/>
+            <a:r>
+              <a:rPr lang="en-US" sz="1400" dirty="0">
+                <a:solidFill>
+                  <a:srgbClr val="000000"/>
+                </a:solidFill>
+                <a:latin typeface="Helvetica Light"/>
+                <a:sym typeface="Helvetica Light"/>
+              </a:rPr>
+              <a:t>	&lt;managed-property&gt;</a:t>
+            </a:r>
+          </a:p>
+          <a:p>
+            <a:pPr defTabSz="409575" hangingPunct="0"/>
+            <a:r>
+              <a:rPr lang="en-US" sz="1400" dirty="0">
+                <a:solidFill>
+                  <a:srgbClr val="000000"/>
+                </a:solidFill>
+                <a:latin typeface="Helvetica Light"/>
+                <a:sym typeface="Helvetica Light"/>
+              </a:rPr>
+              <a:t>		&lt;property-name&gt;name&lt;/property-name&gt;</a:t>
+            </a:r>
+          </a:p>
+          <a:p>
+            <a:pPr defTabSz="409575" hangingPunct="0"/>
+            <a:r>
+              <a:rPr lang="en-US" sz="1400" dirty="0">
+                <a:solidFill>
+                  <a:srgbClr val="000000"/>
+                </a:solidFill>
+                <a:latin typeface="Helvetica Light"/>
+                <a:sym typeface="Helvetica Light"/>
+              </a:rPr>
+              <a:t>		&lt;value&gt;Ana&lt;/value&gt;</a:t>
+            </a:r>
+          </a:p>
+          <a:p>
+            <a:pPr defTabSz="409575" hangingPunct="0"/>
+            <a:r>
+              <a:rPr lang="en-US" sz="1400" dirty="0">
+                <a:solidFill>
+                  <a:srgbClr val="000000"/>
+                </a:solidFill>
+                <a:latin typeface="Helvetica Light"/>
+                <a:sym typeface="Helvetica Light"/>
+              </a:rPr>
+              <a:t>	&lt;/managed-property&gt;</a:t>
+            </a:r>
+          </a:p>
+          <a:p>
+            <a:pPr defTabSz="409575" hangingPunct="0"/>
+            <a:r>
+              <a:rPr lang="en-US" sz="1400" dirty="0">
+                <a:solidFill>
+                  <a:srgbClr val="000000"/>
+                </a:solidFill>
+                <a:latin typeface="Helvetica Light"/>
+                <a:sym typeface="Helvetica Light"/>
+              </a:rPr>
+              <a:t>&lt;/managed-bean&gt;</a:t>
+            </a:r>
+          </a:p>
+        </p:txBody>
+      </p:sp>
+    </p:spTree>
+  </p:cSld>
+  <p:clrMapOvr>
+    <a:masterClrMapping/>
+  </p:clrMapOvr>
+</p:sld>
+</file>
+
+<file path=ppt/slides/slide19.xml><?xml version="1.0" encoding="utf-8"?>
+<p:sld xmlns:a="http://schemas.openxmlformats.org/drawingml/2006/main" xmlns:r="http://schemas.openxmlformats.org/officeDocument/2006/relationships" xmlns:p="http://schemas.openxmlformats.org/presentationml/2006/main">
+  <p:cSld>
+    <p:spTree>
+      <p:nvGrpSpPr>
+        <p:cNvPr id="1" name=""/>
+        <p:cNvGrpSpPr/>
+        <p:nvPr/>
+      </p:nvGrpSpPr>
+      <p:grpSpPr>
+        <a:xfrm>
+          <a:off x="0" y="0"/>
+          <a:ext cx="0" cy="0"/>
+          <a:chOff x="0" y="0"/>
+          <a:chExt cx="0" cy="0"/>
+        </a:xfrm>
+      </p:grpSpPr>
+      <p:sp>
+        <p:nvSpPr>
+          <p:cNvPr id="4" name="3 Título"/>
+          <p:cNvSpPr>
+            <a:spLocks noGrp="1"/>
+          </p:cNvSpPr>
+          <p:nvPr>
+            <p:ph type="title"/>
+          </p:nvPr>
+        </p:nvSpPr>
+        <p:spPr/>
+        <p:txBody>
+          <a:bodyPr/>
+          <a:lstStyle/>
+          <a:p>
+            <a:pPr eaLnBrk="1" fontAlgn="auto" hangingPunct="1">
+              <a:spcAft>
+                <a:spcPts val="0"/>
+              </a:spcAft>
+              <a:defRPr/>
+            </a:pPr>
+            <a:r>
+              <a:rPr lang="es-ES" dirty="0"/>
+              <a:t>PROPIEDADES MANEJADAS</a:t>
+            </a:r>
+          </a:p>
+        </p:txBody>
+      </p:sp>
+      <p:sp>
+        <p:nvSpPr>
+          <p:cNvPr id="41986" name="1 Marcador de contenido"/>
+          <p:cNvSpPr>
+            <a:spLocks noGrp="1"/>
+          </p:cNvSpPr>
+          <p:nvPr>
+            <p:ph idx="1"/>
+          </p:nvPr>
+        </p:nvSpPr>
+        <p:spPr/>
+        <p:txBody>
+          <a:bodyPr/>
+          <a:lstStyle/>
+          <a:p>
+            <a:pPr eaLnBrk="1" hangingPunct="1"/>
+            <a:r>
+              <a:rPr lang="es-ES"/>
+              <a:t>De forma declarativa con referencia otro </a:t>
+            </a:r>
+            <a:r>
+              <a:rPr lang="es-ES" b="1"/>
+              <a:t>Managed Bean</a:t>
+            </a:r>
+            <a:r>
+              <a:rPr lang="es-ES"/>
+              <a:t>.</a:t>
+            </a:r>
+            <a:endParaRPr lang="es-ES" b="1"/>
+          </a:p>
+        </p:txBody>
+      </p:sp>
+      <p:sp>
+        <p:nvSpPr>
+          <p:cNvPr id="46083" name="2 Marcador de número de diapositiva"/>
+          <p:cNvSpPr>
+            <a:spLocks noGrp="1"/>
+          </p:cNvSpPr>
+          <p:nvPr>
+            <p:ph type="sldNum" sz="quarter" idx="12"/>
+          </p:nvPr>
+        </p:nvSpPr>
+        <p:spPr bwMode="auto">
+          <a:ln>
+            <a:miter lim="800000"/>
+            <a:headEnd/>
+            <a:tailEnd/>
+          </a:ln>
+        </p:spPr>
+        <p:txBody>
+          <a:bodyPr wrap="square" numCol="1" anchorCtr="0" compatLnSpc="1">
+            <a:prstTxWarp prst="textNoShape">
+              <a:avLst/>
+            </a:prstTxWarp>
+          </a:bodyPr>
+          <a:lstStyle/>
+          <a:p>
+            <a:pPr fontAlgn="base">
+              <a:spcBef>
+                <a:spcPct val="0"/>
+              </a:spcBef>
+              <a:spcAft>
+                <a:spcPct val="0"/>
+              </a:spcAft>
+              <a:defRPr/>
+            </a:pPr>
+            <a:fld id="{E82853BB-3408-496D-AD35-71DA7C265A6C}" type="slidenum">
+              <a:rPr lang="en-US">
+                <a:solidFill>
+                  <a:srgbClr val="898989"/>
+                </a:solidFill>
+                <a:cs typeface="Arial" charset="0"/>
+              </a:rPr>
+              <a:pPr fontAlgn="base">
+                <a:spcBef>
+                  <a:spcPct val="0"/>
+                </a:spcBef>
+                <a:spcAft>
+                  <a:spcPct val="0"/>
+                </a:spcAft>
+                <a:defRPr/>
+              </a:pPr>
+              <a:t>19</a:t>
+            </a:fld>
+            <a:endParaRPr lang="en-US">
+              <a:solidFill>
+                <a:srgbClr val="898989"/>
+              </a:solidFill>
+              <a:cs typeface="Arial" charset="0"/>
+            </a:endParaRPr>
+          </a:p>
+        </p:txBody>
+      </p:sp>
+      <p:sp>
+        <p:nvSpPr>
+          <p:cNvPr id="41988" name="4 CuadroTexto"/>
+          <p:cNvSpPr txBox="1">
+            <a:spLocks noChangeArrowheads="1"/>
+          </p:cNvSpPr>
+          <p:nvPr/>
+        </p:nvSpPr>
+        <p:spPr bwMode="auto">
+          <a:xfrm>
+            <a:off x="1281113" y="2732088"/>
+            <a:ext cx="6734175" cy="2012950"/>
+          </a:xfrm>
+          <a:prstGeom prst="rect">
+            <a:avLst/>
+          </a:prstGeom>
+          <a:solidFill>
+            <a:schemeClr val="bg2"/>
+          </a:solidFill>
+          <a:ln w="9525">
+            <a:solidFill>
+              <a:schemeClr val="tx1"/>
+            </a:solidFill>
+            <a:miter lim="800000"/>
+            <a:headEnd/>
+            <a:tailEnd/>
+          </a:ln>
+        </p:spPr>
+        <p:txBody>
+          <a:bodyPr lIns="64288" tIns="32144" rIns="64288" bIns="32144">
+            <a:spAutoFit/>
+          </a:bodyPr>
+          <a:lstStyle/>
+          <a:p>
+            <a:pPr defTabSz="409575" hangingPunct="0"/>
+            <a:r>
+              <a:rPr lang="en-US" sz="1400" dirty="0">
+                <a:solidFill>
+                  <a:srgbClr val="000000"/>
+                </a:solidFill>
+                <a:latin typeface="Helvetica Light"/>
+                <a:sym typeface="Helvetica Light"/>
+              </a:rPr>
+              <a:t>&lt;managed-bean&gt;</a:t>
+            </a:r>
+          </a:p>
+          <a:p>
+            <a:pPr defTabSz="409575" hangingPunct="0"/>
+            <a:r>
+              <a:rPr lang="en-US" sz="1400" dirty="0">
+                <a:solidFill>
+                  <a:srgbClr val="000000"/>
+                </a:solidFill>
+                <a:latin typeface="Helvetica Light"/>
+                <a:sym typeface="Helvetica Light"/>
+              </a:rPr>
+              <a:t>	&lt;managed-bean-name&gt;</a:t>
+            </a:r>
+            <a:r>
+              <a:rPr lang="en-US" sz="1400" dirty="0" err="1">
+                <a:solidFill>
+                  <a:srgbClr val="000000"/>
+                </a:solidFill>
+                <a:latin typeface="Helvetica Light"/>
+                <a:sym typeface="Helvetica Light"/>
+              </a:rPr>
+              <a:t>userBean</a:t>
+            </a:r>
+            <a:r>
+              <a:rPr lang="en-US" sz="1400" dirty="0">
+                <a:solidFill>
+                  <a:srgbClr val="000000"/>
+                </a:solidFill>
+                <a:latin typeface="Helvetica Light"/>
+                <a:sym typeface="Helvetica Light"/>
+              </a:rPr>
+              <a:t>&lt;/managed-bean-name&gt;</a:t>
+            </a:r>
+          </a:p>
+          <a:p>
+            <a:pPr defTabSz="409575" hangingPunct="0"/>
+            <a:r>
+              <a:rPr lang="en-US" sz="1400" dirty="0">
+                <a:solidFill>
+                  <a:srgbClr val="000000"/>
+                </a:solidFill>
+                <a:latin typeface="Helvetica Light"/>
+                <a:sym typeface="Helvetica Light"/>
+              </a:rPr>
+              <a:t>	&lt;managed-bean-class&gt;</a:t>
+            </a:r>
+            <a:r>
+              <a:rPr lang="en-US" sz="1400" dirty="0" err="1">
+                <a:solidFill>
+                  <a:srgbClr val="000000"/>
+                </a:solidFill>
+                <a:latin typeface="Helvetica Light"/>
+                <a:sym typeface="Helvetica Light"/>
+              </a:rPr>
+              <a:t>com.examples.UserBean</a:t>
+            </a:r>
+            <a:r>
+              <a:rPr lang="en-US" sz="1400" dirty="0">
+                <a:solidFill>
+                  <a:srgbClr val="000000"/>
+                </a:solidFill>
+                <a:latin typeface="Helvetica Light"/>
+                <a:sym typeface="Helvetica Light"/>
+              </a:rPr>
+              <a:t>&lt;/managed-bean-class&gt;</a:t>
+            </a:r>
+          </a:p>
+          <a:p>
+            <a:pPr defTabSz="409575" hangingPunct="0"/>
+            <a:r>
+              <a:rPr lang="en-US" sz="1400" dirty="0">
+                <a:solidFill>
+                  <a:srgbClr val="000000"/>
+                </a:solidFill>
+                <a:latin typeface="Helvetica Light"/>
+                <a:sym typeface="Helvetica Light"/>
+              </a:rPr>
+              <a:t>	&lt;managed-bean-scope&gt;session&lt;/managed-bean-scope&gt;</a:t>
+            </a:r>
+          </a:p>
+          <a:p>
+            <a:pPr defTabSz="409575" hangingPunct="0"/>
+            <a:r>
+              <a:rPr lang="en-US" sz="1400" dirty="0">
+                <a:solidFill>
+                  <a:srgbClr val="000000"/>
+                </a:solidFill>
+                <a:latin typeface="Helvetica Light"/>
+                <a:sym typeface="Helvetica Light"/>
+              </a:rPr>
+              <a:t>	&lt;managed-property&gt;</a:t>
+            </a:r>
+          </a:p>
+          <a:p>
+            <a:pPr defTabSz="409575" hangingPunct="0"/>
+            <a:r>
+              <a:rPr lang="en-US" sz="1400" dirty="0">
+                <a:solidFill>
+                  <a:srgbClr val="000000"/>
+                </a:solidFill>
+                <a:latin typeface="Helvetica Light"/>
+                <a:sym typeface="Helvetica Light"/>
+              </a:rPr>
+              <a:t>		&lt;property-name&gt;</a:t>
+            </a:r>
+            <a:r>
+              <a:rPr lang="en-US" sz="1400" dirty="0" err="1">
+                <a:solidFill>
+                  <a:srgbClr val="000000"/>
+                </a:solidFill>
+                <a:latin typeface="Helvetica Light"/>
+                <a:sym typeface="Helvetica Light"/>
+              </a:rPr>
+              <a:t>pedidoBean</a:t>
+            </a:r>
+            <a:r>
+              <a:rPr lang="en-US" sz="1400" dirty="0">
+                <a:solidFill>
+                  <a:srgbClr val="000000"/>
+                </a:solidFill>
+                <a:latin typeface="Helvetica Light"/>
+                <a:sym typeface="Helvetica Light"/>
+              </a:rPr>
+              <a:t>&lt;/property-name&gt;</a:t>
+            </a:r>
+          </a:p>
+          <a:p>
+            <a:pPr defTabSz="409575" hangingPunct="0"/>
+            <a:r>
+              <a:rPr lang="en-US" sz="1400" dirty="0">
+                <a:solidFill>
+                  <a:srgbClr val="000000"/>
+                </a:solidFill>
+                <a:latin typeface="Helvetica Light"/>
+                <a:sym typeface="Helvetica Light"/>
+              </a:rPr>
+              <a:t>		&lt;value&gt;#{pedidoBean}&lt;/value&gt;</a:t>
+            </a:r>
+          </a:p>
+          <a:p>
+            <a:pPr defTabSz="409575" hangingPunct="0"/>
+            <a:r>
+              <a:rPr lang="en-US" sz="1400" dirty="0">
+                <a:solidFill>
+                  <a:srgbClr val="000000"/>
+                </a:solidFill>
+                <a:latin typeface="Helvetica Light"/>
+                <a:sym typeface="Helvetica Light"/>
+              </a:rPr>
+              <a:t>	&lt;/managed-property&gt;</a:t>
+            </a:r>
+          </a:p>
+          <a:p>
+            <a:pPr defTabSz="409575" hangingPunct="0"/>
+            <a:r>
+              <a:rPr lang="en-US" sz="1400" dirty="0">
+                <a:solidFill>
+                  <a:srgbClr val="000000"/>
+                </a:solidFill>
+                <a:latin typeface="Helvetica Light"/>
+                <a:sym typeface="Helvetica Light"/>
+              </a:rPr>
+              <a:t>&lt;/managed-bean&gt;</a:t>
+            </a:r>
           </a:p>
         </p:txBody>
       </p:sp>
@@ -9649,22 +10447,30 @@
           <a:p>
             <a:pPr eaLnBrk="1" hangingPunct="1"/>
             <a:r>
-              <a:rPr lang="es-ES"/>
-              <a:t>Se trata de objetos manejados por el contexto de JSF, esto es, objetos de los cuales el desarrollador no es responsable.</a:t>
+              <a:rPr lang="es-ES" dirty="0"/>
+              <a:t>Se trata de objetos manejados por el contexto de JSF, esto es, objetos de los cuales el desarrollador no es responsable de su ciclo de vida.</a:t>
             </a:r>
           </a:p>
           <a:p>
             <a:pPr eaLnBrk="1" hangingPunct="1"/>
             <a:r>
-              <a:rPr lang="es-ES"/>
+              <a:rPr lang="es-ES" dirty="0"/>
               <a:t>Cuando se referencia un </a:t>
             </a:r>
             <a:r>
-              <a:rPr lang="es-ES" b="1"/>
-              <a:t>Managed Bean</a:t>
-            </a:r>
-            <a:r>
-              <a:rPr lang="es-ES"/>
+              <a:rPr lang="es-ES" b="1" dirty="0" err="1"/>
+              <a:t>Managed</a:t>
+            </a:r>
+            <a:r>
+              <a:rPr lang="es-ES" b="1" dirty="0"/>
+              <a:t> </a:t>
+            </a:r>
+            <a:r>
+              <a:rPr lang="es-ES" b="1" dirty="0" err="1"/>
+              <a:t>Bean</a:t>
+            </a:r>
+            <a:r>
+              <a:rPr lang="es-ES" dirty="0"/>
               <a:t>, el contexto de JSF, creará el objeto, lo inicializará y lo almacenará en el ámbito definido, o lo retornará si ya existe.</a:t>
             </a:r>
           </a:p>
@@ -9721,6 +10527,200 @@
                 <a:defRPr/>
               </a:pPr>
               <a:t>2</a:t>
+            </a:fld>
+            <a:endParaRPr lang="en-US">
+              <a:solidFill>
+                <a:srgbClr val="898989"/>
+              </a:solidFill>
+              <a:cs typeface="Arial" charset="0"/>
+            </a:endParaRPr>
+          </a:p>
+        </p:txBody>
+      </p:sp>
+    </p:spTree>
+  </p:cSld>
+  <p:clrMapOvr>
+    <a:masterClrMapping/>
+  </p:clrMapOvr>
+</p:sld>
+</file>
+
+<file path=ppt/slides/slide20.xml><?xml version="1.0" encoding="utf-8"?>
+<p:sld xmlns:a="http://schemas.openxmlformats.org/drawingml/2006/main" xmlns:r="http://schemas.openxmlformats.org/officeDocument/2006/relationships" xmlns:p="http://schemas.openxmlformats.org/presentationml/2006/main">
+  <p:cSld>
+    <p:spTree>
+      <p:nvGrpSpPr>
+        <p:cNvPr id="1" name=""/>
+        <p:cNvGrpSpPr/>
+        <p:nvPr/>
+      </p:nvGrpSpPr>
+      <p:grpSpPr>
+        <a:xfrm>
+          <a:off x="0" y="0"/>
+          <a:ext cx="0" cy="0"/>
+          <a:chOff x="0" y="0"/>
+          <a:chExt cx="0" cy="0"/>
+        </a:xfrm>
+      </p:grpSpPr>
+      <p:sp>
+        <p:nvSpPr>
+          <p:cNvPr id="4" name="3 Título"/>
+          <p:cNvSpPr>
+            <a:spLocks noGrp="1"/>
+          </p:cNvSpPr>
+          <p:nvPr>
+            <p:ph type="title"/>
+          </p:nvPr>
+        </p:nvSpPr>
+        <p:spPr/>
+        <p:txBody>
+          <a:bodyPr>
+            <a:normAutofit fontScale="90000"/>
+          </a:bodyPr>
+          <a:lstStyle/>
+          <a:p>
+            <a:pPr eaLnBrk="1" fontAlgn="auto" hangingPunct="1">
+              <a:spcAft>
+                <a:spcPts val="0"/>
+              </a:spcAft>
+              <a:defRPr/>
+            </a:pPr>
+            <a:r>
+              <a:rPr lang="es-ES" dirty="0"/>
+              <a:t>CICLO DE VIDA DEL MANAGED BEAN</a:t>
+            </a:r>
+          </a:p>
+        </p:txBody>
+      </p:sp>
+      <p:sp>
+        <p:nvSpPr>
+          <p:cNvPr id="43010" name="1 Marcador de contenido"/>
+          <p:cNvSpPr>
+            <a:spLocks noGrp="1"/>
+          </p:cNvSpPr>
+          <p:nvPr>
+            <p:ph idx="1"/>
+          </p:nvPr>
+        </p:nvSpPr>
+        <p:spPr/>
+        <p:txBody>
+          <a:bodyPr/>
+          <a:lstStyle/>
+          <a:p>
+            <a:pPr eaLnBrk="1" hangingPunct="1"/>
+            <a:r>
+              <a:rPr lang="es-ES" dirty="0"/>
+              <a:t>Cuando a un método le asocias la anotación @</a:t>
+            </a:r>
+            <a:r>
+              <a:rPr lang="es-ES" b="1" dirty="0"/>
+              <a:t>PostConstruct</a:t>
+            </a:r>
+            <a:r>
+              <a:rPr lang="es-ES" dirty="0"/>
+              <a:t> se ejecutará después de la inicialización del </a:t>
+            </a:r>
+            <a:r>
+              <a:rPr lang="es-ES" dirty="0" err="1"/>
+              <a:t>bean</a:t>
+            </a:r>
+            <a:r>
+              <a:rPr lang="es-ES" dirty="0"/>
+              <a:t> pero antes de que sea guardado en su </a:t>
+            </a:r>
+            <a:r>
+              <a:rPr lang="es-ES" dirty="0" err="1"/>
+              <a:t>scope</a:t>
+            </a:r>
+            <a:r>
+              <a:rPr lang="es-ES" dirty="0"/>
+              <a:t> correspondiente.</a:t>
+            </a:r>
+          </a:p>
+          <a:p>
+            <a:pPr eaLnBrk="1" hangingPunct="1"/>
+            <a:r>
+              <a:rPr lang="es-ES" dirty="0"/>
+              <a:t>Si al método le asocias la anotación @</a:t>
+            </a:r>
+            <a:r>
+              <a:rPr lang="es-ES" b="1" dirty="0"/>
+              <a:t>PreDestroy</a:t>
+            </a:r>
+            <a:r>
+              <a:rPr lang="es-ES" dirty="0"/>
+              <a:t> se ejecutará justo antes de que el </a:t>
+            </a:r>
+            <a:r>
+              <a:rPr lang="es-ES" dirty="0" err="1"/>
+              <a:t>bean</a:t>
+            </a:r>
+            <a:r>
+              <a:rPr lang="es-ES" dirty="0"/>
+              <a:t> sea eliminado del </a:t>
+            </a:r>
+            <a:r>
+              <a:rPr lang="es-ES" dirty="0" err="1"/>
+              <a:t>scope</a:t>
+            </a:r>
+            <a:r>
+              <a:rPr lang="es-ES" dirty="0"/>
+              <a:t>.</a:t>
+            </a:r>
+          </a:p>
+        </p:txBody>
+      </p:sp>
+      <p:sp>
+        <p:nvSpPr>
+          <p:cNvPr id="47107" name="2 Marcador de número de diapositiva"/>
+          <p:cNvSpPr>
+            <a:spLocks noGrp="1"/>
+          </p:cNvSpPr>
+          <p:nvPr>
+            <p:ph type="sldNum" sz="quarter" idx="12"/>
+          </p:nvPr>
+        </p:nvSpPr>
+        <p:spPr bwMode="auto">
+          <a:ln>
+            <a:miter lim="800000"/>
+            <a:headEnd/>
+            <a:tailEnd/>
+          </a:ln>
+        </p:spPr>
+        <p:txBody>
+          <a:bodyPr wrap="square" numCol="1" anchorCtr="0" compatLnSpc="1">
+            <a:prstTxWarp prst="textNoShape">
+              <a:avLst/>
+            </a:prstTxWarp>
+          </a:bodyPr>
+          <a:lstStyle/>
+          <a:p>
+            <a:pPr fontAlgn="base">
+              <a:spcBef>
+                <a:spcPct val="0"/>
+              </a:spcBef>
+              <a:spcAft>
+                <a:spcPct val="0"/>
+              </a:spcAft>
+              <a:defRPr/>
+            </a:pPr>
+            <a:fld id="{B034D36E-3B57-4062-8A4A-5340FF868D06}" type="slidenum">
+              <a:rPr lang="en-US">
+                <a:solidFill>
+                  <a:srgbClr val="898989"/>
+                </a:solidFill>
+                <a:cs typeface="Arial" charset="0"/>
+              </a:rPr>
+              <a:pPr fontAlgn="base">
+                <a:spcBef>
+                  <a:spcPct val="0"/>
+                </a:spcBef>
+                <a:spcAft>
+                  <a:spcPct val="0"/>
+                </a:spcAft>
+                <a:defRPr/>
+              </a:pPr>
+              <a:t>20</a:t>
             </a:fld>
             <a:endParaRPr lang="en-US">
               <a:solidFill>
@@ -9801,51 +10801,88 @@
           <a:p>
             <a:pPr eaLnBrk="1" hangingPunct="1"/>
             <a:r>
-              <a:rPr lang="es-ES"/>
+              <a:rPr lang="es-ES" dirty="0"/>
               <a:t>Es necesario, que los </a:t>
             </a:r>
             <a:r>
-              <a:rPr lang="es-ES" b="1"/>
-              <a:t>Managed Bean</a:t>
-            </a:r>
-            <a:r>
-              <a:rPr lang="es-ES"/>
-              <a:t>, tengan</a:t>
+              <a:rPr lang="es-ES" b="1" dirty="0" err="1"/>
+              <a:t>Managed</a:t>
+            </a:r>
+            <a:r>
+              <a:rPr lang="es-ES" b="1" dirty="0"/>
+              <a:t> </a:t>
+            </a:r>
+            <a:r>
+              <a:rPr lang="es-ES" b="1" dirty="0" err="1"/>
+              <a:t>Bean</a:t>
+            </a:r>
+            <a:r>
+              <a:rPr lang="es-ES" dirty="0"/>
+              <a:t>, tengan estructura JavaBean.</a:t>
             </a:r>
           </a:p>
           <a:p>
             <a:pPr lvl="1" eaLnBrk="1" hangingPunct="1"/>
             <a:r>
-              <a:rPr lang="es-ES" b="1"/>
+              <a:rPr lang="es-ES" b="1" dirty="0"/>
               <a:t>Constructor</a:t>
             </a:r>
             <a:r>
-              <a:rPr lang="es-ES"/>
+              <a:rPr lang="es-ES" dirty="0"/>
               <a:t> por defecto.</a:t>
             </a:r>
           </a:p>
           <a:p>
             <a:pPr lvl="1" eaLnBrk="1" hangingPunct="1"/>
             <a:r>
-              <a:rPr lang="es-ES"/>
+              <a:rPr lang="es-ES" dirty="0"/>
               <a:t>Métodos de </a:t>
             </a:r>
             <a:r>
-              <a:rPr lang="es-ES" b="1"/>
+              <a:rPr lang="es-ES" b="1" dirty="0" err="1"/>
               <a:t>Get</a:t>
             </a:r>
             <a:r>
-              <a:rPr lang="es-ES"/>
+              <a:rPr lang="es-ES" dirty="0"/>
               <a:t> y </a:t>
             </a:r>
             <a:r>
-              <a:rPr lang="es-ES" b="1"/>
+              <a:rPr lang="es-ES" b="1" dirty="0"/>
               <a:t>Set</a:t>
             </a:r>
             <a:r>
-              <a:rPr lang="es-ES"/>
-              <a:t> para las propiedades las cuales queramos acceder o modificar desde nuestra vista</a:t>
-            </a:r>
+              <a:rPr lang="es-ES" dirty="0"/>
+              <a:t> para las propiedades las cuales queramos acceder o modificar desde nuestra vista. </a:t>
+            </a:r>
+            <a:r>
+              <a:rPr lang="es-ES" b="1" dirty="0" err="1"/>
+              <a:t>Get</a:t>
+            </a:r>
+            <a:r>
+              <a:rPr lang="es-ES" dirty="0"/>
+              <a:t> será para poder acceder desde la vista, </a:t>
+            </a:r>
+            <a:r>
+              <a:rPr lang="es-ES" b="1" dirty="0"/>
+              <a:t>Set</a:t>
+            </a:r>
+            <a:r>
+              <a:rPr lang="es-ES" dirty="0"/>
+              <a:t> será para establecer el valor en el </a:t>
+            </a:r>
+            <a:r>
+              <a:rPr lang="es-ES" b="1" dirty="0" err="1"/>
+              <a:t>Managed</a:t>
+            </a:r>
+            <a:r>
+              <a:rPr lang="es-ES" b="1" dirty="0"/>
+              <a:t> </a:t>
+            </a:r>
+            <a:r>
+              <a:rPr lang="es-ES" b="1" dirty="0" err="1"/>
+              <a:t>Bean</a:t>
+            </a:r>
+            <a:endParaRPr lang="es-ES" b="1" dirty="0"/>
           </a:p>
         </p:txBody>
       </p:sp>
@@ -9980,41 +11017,53 @@
           <a:p>
             <a:pPr eaLnBrk="1" hangingPunct="1"/>
             <a:r>
-              <a:rPr lang="es-ES"/>
+              <a:rPr lang="es-ES" dirty="0"/>
               <a:t>Para que un objeto sea un </a:t>
             </a:r>
             <a:r>
-              <a:rPr lang="es-ES" b="1"/>
-              <a:t>Managed Bean</a:t>
-            </a:r>
-            <a:r>
-              <a:rPr lang="es-ES"/>
+              <a:rPr lang="es-ES" b="1" dirty="0" err="1"/>
+              <a:t>Managed</a:t>
+            </a:r>
+            <a:r>
+              <a:rPr lang="es-ES" b="1" dirty="0"/>
+              <a:t> </a:t>
+            </a:r>
+            <a:r>
+              <a:rPr lang="es-ES" b="1" dirty="0" err="1"/>
+              <a:t>Bean</a:t>
+            </a:r>
+            <a:r>
+              <a:rPr lang="es-ES" dirty="0"/>
               <a:t>, hay que declararlo como tal, esto se puede hacer con</a:t>
             </a:r>
           </a:p>
           <a:p>
             <a:pPr lvl="1" eaLnBrk="1" hangingPunct="1"/>
             <a:r>
-              <a:rPr lang="es-ES"/>
+              <a:rPr lang="es-ES" dirty="0"/>
               <a:t>Anotaciones</a:t>
             </a:r>
           </a:p>
           <a:p>
             <a:pPr lvl="1" eaLnBrk="1" hangingPunct="1"/>
-            <a:endParaRPr lang="es-ES"/>
+            <a:endParaRPr lang="es-ES" dirty="0"/>
           </a:p>
           <a:p>
             <a:pPr lvl="1" eaLnBrk="1" hangingPunct="1"/>
-            <a:endParaRPr lang="es-ES"/>
+            <a:endParaRPr lang="es-ES" dirty="0"/>
           </a:p>
           <a:p>
             <a:pPr lvl="1" eaLnBrk="1" hangingPunct="1"/>
-            <a:r>
-              <a:rPr lang="es-ES"/>
+            <a:endParaRPr lang="es-ES" dirty="0"/>
+          </a:p>
+          <a:p>
+            <a:pPr lvl="1" eaLnBrk="1" hangingPunct="1"/>
+            <a:r>
+              <a:rPr lang="es-ES" dirty="0"/>
               <a:t>Declarativo en el </a:t>
             </a:r>
             <a:r>
-              <a:rPr lang="es-ES" b="1"/>
+              <a:rPr lang="es-ES" b="1" dirty="0"/>
               <a:t>faces-config.xml</a:t>
             </a:r>
           </a:p>
@@ -10091,7 +11140,7 @@
         </p:nvSpPr>
         <p:spPr bwMode="auto">
           <a:xfrm>
-            <a:off x="1281113" y="3833813"/>
+            <a:off x="1200414" y="2924944"/>
             <a:ext cx="6734175" cy="714375"/>
           </a:xfrm>
           <a:prstGeom prst="rect">
@@ -10117,7 +11166,7 @@
           <a:p>
             <a:pPr defTabSz="409575" hangingPunct="0"/>
             <a:r>
-              <a:rPr lang="en-US" sz="1400">
+              <a:rPr lang="en-US" sz="1400" dirty="0">
                 <a:solidFill>
                   <a:srgbClr val="000000"/>
                 </a:solidFill>
@@ -10130,7 +11179,7 @@
           <a:p>
             <a:pPr defTabSz="409575" hangingPunct="0"/>
             <a:r>
-              <a:rPr lang="en-US" sz="1400">
+              <a:rPr lang="en-US" sz="1400" dirty="0">
                 <a:solidFill>
                   <a:srgbClr val="000000"/>
                 </a:solidFill>
@@ -10143,14 +11192,34 @@
           <a:p>
             <a:pPr defTabSz="409575" hangingPunct="0"/>
             <a:r>
-              <a:rPr lang="en-US" sz="1400">
+              <a:rPr lang="en-US" sz="1400" dirty="0">
                 <a:solidFill>
                   <a:srgbClr val="000000"/>
                 </a:solidFill>
                 <a:latin typeface="Helvetica Light"/>
                 <a:sym typeface="Helvetica Light"/>
               </a:rPr>
-              <a:t>public class UserBean {...}</a:t>
+              <a:t>public class </a:t>
+            </a:r>
+            <a:r>
+              <a:rPr lang="en-US" sz="1400" dirty="0" err="1">
+                <a:solidFill>
+                  <a:srgbClr val="000000"/>
+                </a:solidFill>
+                <a:latin typeface="Helvetica Light"/>
+                <a:sym typeface="Helvetica Light"/>
+              </a:rPr>
+              <a:t>UserBean</a:t>
+            </a:r>
+            <a:r>
+              <a:rPr lang="en-US" sz="1400" dirty="0">
+                <a:solidFill>
+                  <a:srgbClr val="000000"/>
+                </a:solidFill>
+                <a:latin typeface="Helvetica Light"/>
+                <a:sym typeface="Helvetica Light"/>
+              </a:rPr>
+              <a:t> {...}</a:t>
             </a:r>
           </a:p>
         </p:txBody>
@@ -10165,7 +11234,7 @@
         </p:nvSpPr>
         <p:spPr bwMode="auto">
           <a:xfrm>
-            <a:off x="1281113" y="5370513"/>
+            <a:off x="1200415" y="4656137"/>
             <a:ext cx="6734175" cy="1146175"/>
           </a:xfrm>
           <a:prstGeom prst="rect">
@@ -10191,7 +11260,7 @@
           <a:p>
             <a:pPr defTabSz="409575" hangingPunct="0"/>
             <a:r>
-              <a:rPr lang="en-US" sz="1400">
+              <a:rPr lang="en-US" sz="1400" dirty="0">
                 <a:solidFill>
                   <a:srgbClr val="000000"/>
                 </a:solidFill>
@@ -10204,33 +11273,73 @@
           <a:p>
             <a:pPr defTabSz="409575" hangingPunct="0"/>
             <a:r>
-              <a:rPr lang="en-US" sz="1400">
+              <a:rPr lang="en-US" sz="1400" dirty="0">
                 <a:solidFill>
                   <a:srgbClr val="000000"/>
                 </a:solidFill>
                 <a:latin typeface="Helvetica Light"/>
                 <a:sym typeface="Helvetica Light"/>
               </a:rPr>
-              <a:t>     &lt;managed-bean-name&gt;userBean&lt;/managed-bean-name&gt;</a:t>
-            </a:r>
-          </a:p>
-          <a:p>
-            <a:pPr defTabSz="409575" hangingPunct="0"/>
-            <a:r>
-              <a:rPr lang="en-US" sz="1400">
+              <a:t>     &lt;managed-bean-name&gt;</a:t>
+            </a:r>
+            <a:r>
+              <a:rPr lang="en-US" sz="1400" dirty="0" err="1">
                 <a:solidFill>
                   <a:srgbClr val="000000"/>
                 </a:solidFill>
                 <a:latin typeface="Helvetica Light"/>
                 <a:sym typeface="Helvetica Light"/>
               </a:rPr>
-              <a:t>     &lt;managed-bean-class&gt;com.examples.UserBean&lt;/managed-bean-class&gt;</a:t>
+              <a:t>userBean</a:t>
+            </a:r>
+            <a:r>
+              <a:rPr lang="en-US" sz="1400" dirty="0">
+                <a:solidFill>
+                  <a:srgbClr val="000000"/>
+                </a:solidFill>
+                <a:latin typeface="Helvetica Light"/>
+                <a:sym typeface="Helvetica Light"/>
+              </a:rPr>
+              <a:t>&lt;/managed-bean-name&gt;</a:t>
             </a:r>
           </a:p>
           <a:p>
             <a:pPr defTabSz="409575" hangingPunct="0"/>
             <a:r>
-              <a:rPr lang="en-US" sz="1400">
+              <a:rPr lang="en-US" sz="1400" dirty="0">
+                <a:solidFill>
+                  <a:srgbClr val="000000"/>
+                </a:solidFill>
+                <a:latin typeface="Helvetica Light"/>
+                <a:sym typeface="Helvetica Light"/>
+              </a:rPr>
+              <a:t>     &lt;managed-bean-class&gt;</a:t>
+            </a:r>
+            <a:r>
+              <a:rPr lang="en-US" sz="1400" dirty="0" err="1">
+                <a:solidFill>
+                  <a:srgbClr val="000000"/>
+                </a:solidFill>
+                <a:latin typeface="Helvetica Light"/>
+                <a:sym typeface="Helvetica Light"/>
+              </a:rPr>
+              <a:t>com.examples.UserBean</a:t>
+            </a:r>
+            <a:r>
+              <a:rPr lang="en-US" sz="1400" dirty="0">
+                <a:solidFill>
+                  <a:srgbClr val="000000"/>
+                </a:solidFill>
+                <a:latin typeface="Helvetica Light"/>
+                <a:sym typeface="Helvetica Light"/>
+              </a:rPr>
+              <a:t>&lt;/managed-bean-class&gt;</a:t>
+            </a:r>
+          </a:p>
+          <a:p>
+            <a:pPr defTabSz="409575" hangingPunct="0"/>
+            <a:r>
+              <a:rPr lang="en-US" sz="1400" dirty="0">
                 <a:solidFill>
                   <a:srgbClr val="000000"/>
                 </a:solidFill>
@@ -10243,7 +11352,7 @@
           <a:p>
             <a:pPr defTabSz="409575" hangingPunct="0"/>
             <a:r>
-              <a:rPr lang="en-US" sz="1400">
+              <a:rPr lang="en-US" sz="1400" dirty="0">
                 <a:solidFill>
                   <a:srgbClr val="000000"/>
                 </a:solidFill>
@@ -10325,69 +11434,69 @@
           <a:p>
             <a:pPr eaLnBrk="1" hangingPunct="1"/>
             <a:r>
-              <a:rPr lang="es-ES"/>
+              <a:rPr lang="es-ES" dirty="0"/>
               <a:t>Tradicionalmente, se pueden almacenar en tres ámbitos (JSF 1.x)</a:t>
             </a:r>
           </a:p>
           <a:p>
             <a:pPr lvl="1" eaLnBrk="1" hangingPunct="1"/>
             <a:r>
-              <a:rPr lang="es-ES" b="1"/>
+              <a:rPr lang="es-ES" b="1" dirty="0" err="1"/>
+              <a:t>request</a:t>
+            </a:r>
+            <a:r>
+              <a:rPr lang="es-ES" dirty="0"/>
+              <a:t>. (Valor por defecto). El objeto dura la petición HTTP.</a:t>
+            </a:r>
+          </a:p>
+          <a:p>
+            <a:pPr lvl="1" eaLnBrk="1" hangingPunct="1"/>
+            <a:r>
+              <a:rPr lang="es-ES" b="1" dirty="0" err="1"/>
+              <a:t>session</a:t>
+            </a:r>
+            <a:r>
+              <a:rPr lang="es-ES" dirty="0"/>
+              <a:t>. Lo que dure la sesión de usuario, por defecto 30 minutos en un Tomcat. Ligado al usuario.</a:t>
+            </a:r>
+          </a:p>
+          <a:p>
+            <a:pPr lvl="1" eaLnBrk="1" hangingPunct="1"/>
+            <a:r>
+              <a:rPr lang="es-ES" b="1" dirty="0" err="1"/>
               <a:t>application</a:t>
             </a:r>
             <a:r>
-              <a:rPr lang="es-ES"/>
+              <a:rPr lang="es-ES" dirty="0"/>
+              <a:t>. El objeto dura todo el ciclo de vida de la aplicación. En este caso, es compartido por todos los usuarios</a:t>
+            </a:r>
+          </a:p>
+          <a:p>
+            <a:pPr eaLnBrk="1" hangingPunct="1"/>
+            <a:r>
+              <a:rPr lang="es-ES" dirty="0"/>
+              <a:t>En JSF 2.0, se amplían a</a:t>
+            </a:r>
+          </a:p>
+          <a:p>
+            <a:pPr lvl="1" eaLnBrk="1" hangingPunct="1"/>
+            <a:r>
+              <a:rPr lang="es-ES" b="1" dirty="0" err="1"/>
+              <a:t>view</a:t>
+            </a:r>
+            <a:r>
+              <a:rPr lang="es-ES" dirty="0"/>
               <a:t>.</a:t>
             </a:r>
           </a:p>
           <a:p>
             <a:pPr lvl="1" eaLnBrk="1" hangingPunct="1"/>
             <a:r>
-              <a:rPr lang="es-ES" b="1"/>
-              <a:t>session</a:t>
-            </a:r>
-            <a:r>
-              <a:rPr lang="es-ES"/>
-              <a:t>.</a:t>
-            </a:r>
-          </a:p>
-          <a:p>
-            <a:pPr lvl="1" eaLnBrk="1" hangingPunct="1"/>
-            <a:r>
-              <a:rPr lang="es-ES" b="1"/>
-              <a:t>request</a:t>
-            </a:r>
-            <a:r>
-              <a:rPr lang="es-ES"/>
-              <a:t>. (Valor por defecto)</a:t>
-            </a:r>
-          </a:p>
-          <a:p>
-            <a:pPr eaLnBrk="1" hangingPunct="1"/>
-            <a:r>
-              <a:rPr lang="es-ES"/>
-              <a:t>En JSF 2.0, se amplían a</a:t>
-            </a:r>
-          </a:p>
-          <a:p>
-            <a:pPr lvl="1" eaLnBrk="1" hangingPunct="1"/>
-            <a:r>
-              <a:rPr lang="es-ES" b="1"/>
-              <a:t>view</a:t>
-            </a:r>
-            <a:r>
-              <a:rPr lang="es-ES"/>
-              <a:t>.</a:t>
-            </a:r>
-          </a:p>
-          <a:p>
-            <a:pPr lvl="1" eaLnBrk="1" hangingPunct="1"/>
-            <a:r>
-              <a:rPr lang="es-ES" b="1"/>
+              <a:rPr lang="es-ES" b="1" dirty="0" err="1"/>
               <a:t>none</a:t>
             </a:r>
             <a:r>
-              <a:rPr lang="es-ES"/>
+              <a:rPr lang="es-ES" dirty="0"/>
               <a:t>.</a:t>
             </a:r>
           </a:p>
@@ -10555,6 +11664,28 @@
             <a:pPr lvl="1" eaLnBrk="1" hangingPunct="1"/>
             <a:r>
               <a:rPr lang="es-ES" dirty="0"/>
+              <a:t>Es compartido por todos los usuarios.</a:t>
+            </a:r>
+          </a:p>
+          <a:p>
+            <a:pPr lvl="1" eaLnBrk="1" hangingPunct="1"/>
+            <a:r>
+              <a:rPr lang="es-ES" dirty="0"/>
+              <a:t>Implementa el patrón </a:t>
+            </a:r>
+            <a:r>
+              <a:rPr lang="es-ES" dirty="0" err="1"/>
+              <a:t>Singleton</a:t>
+            </a:r>
+            <a:r>
+              <a:rPr lang="es-ES" dirty="0"/>
+              <a:t> (un solo objeto para toda la aplicación)</a:t>
+            </a:r>
+          </a:p>
+          <a:p>
+            <a:pPr lvl="1" eaLnBrk="1" hangingPunct="1"/>
+            <a:r>
+              <a:rPr lang="es-ES" dirty="0"/>
               <a:t>Estos </a:t>
             </a:r>
             <a:r>
@@ -10869,7 +12000,7 @@
         </p:nvSpPr>
         <p:spPr bwMode="auto">
           <a:xfrm>
-            <a:off x="1204911" y="3757612"/>
+            <a:off x="1204911" y="3762592"/>
             <a:ext cx="6734175" cy="280988"/>
           </a:xfrm>
           <a:prstGeom prst="rect">
@@ -11064,6 +12195,13 @@
             <a:pPr lvl="1" eaLnBrk="1" hangingPunct="1"/>
             <a:r>
               <a:rPr lang="es-ES" dirty="0"/>
+              <a:t>30 minutos en un servidor Tomcat</a:t>
+            </a:r>
+          </a:p>
+          <a:p>
+            <a:pPr lvl="1" eaLnBrk="1" hangingPunct="1"/>
+            <a:r>
+              <a:rPr lang="es-ES" dirty="0"/>
               <a:t>Estos </a:t>
             </a:r>
             <a:r>
@@ -11075,8 +12213,16 @@
               <a:t> deben de implementar </a:t>
             </a:r>
             <a:r>
-              <a:rPr lang="es-ES"/>
+              <a:rPr lang="es-ES" dirty="0" err="1"/>
               <a:t>Serializable</a:t>
+            </a:r>
+            <a:endParaRPr lang="es-ES" dirty="0"/>
+          </a:p>
+          <a:p>
+            <a:pPr lvl="1" eaLnBrk="1" hangingPunct="1"/>
+            <a:r>
+              <a:rPr lang="es-ES" dirty="0"/>
+              <a:t>Estos objetos consumen mucha memoria del servidor ya que su ciclo de vida es muy amplio.</a:t>
             </a:r>
           </a:p>
         </p:txBody>
@@ -11212,22 +12358,38 @@
           <a:p>
             <a:pPr eaLnBrk="1" hangingPunct="1"/>
             <a:r>
-              <a:rPr lang="es-ES" b="1"/>
+              <a:rPr lang="es-ES" b="1" dirty="0" err="1"/>
               <a:t>Request</a:t>
             </a:r>
+            <a:endParaRPr lang="es-ES" b="1" dirty="0"/>
           </a:p>
           <a:p>
             <a:pPr lvl="1" eaLnBrk="1" hangingPunct="1"/>
             <a:r>
-              <a:rPr lang="es-ES"/>
+              <a:rPr lang="es-ES" dirty="0"/>
               <a:t>Comienza cuando se envía una petición al servidor y termina cuando se devuelve la respuesta al usuario. </a:t>
             </a:r>
           </a:p>
           <a:p>
             <a:pPr lvl="1" eaLnBrk="1" hangingPunct="1"/>
             <a:r>
-              <a:rPr lang="es-ES"/>
-              <a:t>Los mensajes de estado y de error que se muestran al usuario son buenos candidatos a ser request, ya que se muestran una vez que el servidor devuelve la respuesta.</a:t>
+              <a:rPr lang="es-ES" dirty="0"/>
+              <a:t>Los mensajes de estado y de error que se muestran al usuario son buenos candidatos a ser </a:t>
+            </a:r>
+            <a:r>
+              <a:rPr lang="es-ES" dirty="0" err="1"/>
+              <a:t>request</a:t>
+            </a:r>
+            <a:r>
+              <a:rPr lang="es-ES" dirty="0"/>
+              <a:t>, ya que se muestran una vez que el servidor devuelve la respuesta.</a:t>
+            </a:r>
+          </a:p>
+          <a:p>
+            <a:pPr lvl="1" eaLnBrk="1" hangingPunct="1"/>
+            <a:r>
+              <a:rPr lang="es-ES" dirty="0"/>
+              <a:t>Este ámbito cuesta muy pocos recursos al servidor</a:t>
             </a:r>
           </a:p>
         </p:txBody>
